--- a/rethinking_rest_practices.pptx
+++ b/rethinking_rest_practices.pptx
@@ -5,41 +5,40 @@
     <p:sldMasterId id="2147483696" r:id="rId1"/>
   </p:sldMasterIdLst>
   <p:notesMasterIdLst>
-    <p:notesMasterId r:id="rId34"/>
+    <p:notesMasterId r:id="rId33"/>
   </p:notesMasterIdLst>
   <p:sldIdLst>
     <p:sldId id="256" r:id="rId2"/>
     <p:sldId id="288" r:id="rId3"/>
-    <p:sldId id="274" r:id="rId4"/>
-    <p:sldId id="268" r:id="rId5"/>
-    <p:sldId id="261" r:id="rId6"/>
-    <p:sldId id="263" r:id="rId7"/>
-    <p:sldId id="265" r:id="rId8"/>
-    <p:sldId id="278" r:id="rId9"/>
-    <p:sldId id="282" r:id="rId10"/>
-    <p:sldId id="267" r:id="rId11"/>
-    <p:sldId id="277" r:id="rId12"/>
-    <p:sldId id="289" r:id="rId13"/>
-    <p:sldId id="290" r:id="rId14"/>
-    <p:sldId id="284" r:id="rId15"/>
-    <p:sldId id="257" r:id="rId16"/>
-    <p:sldId id="264" r:id="rId17"/>
-    <p:sldId id="266" r:id="rId18"/>
-    <p:sldId id="269" r:id="rId19"/>
-    <p:sldId id="270" r:id="rId20"/>
-    <p:sldId id="285" r:id="rId21"/>
-    <p:sldId id="271" r:id="rId22"/>
-    <p:sldId id="258" r:id="rId23"/>
-    <p:sldId id="273" r:id="rId24"/>
-    <p:sldId id="283" r:id="rId25"/>
-    <p:sldId id="275" r:id="rId26"/>
-    <p:sldId id="276" r:id="rId27"/>
-    <p:sldId id="279" r:id="rId28"/>
-    <p:sldId id="286" r:id="rId29"/>
-    <p:sldId id="280" r:id="rId30"/>
-    <p:sldId id="259" r:id="rId31"/>
-    <p:sldId id="287" r:id="rId32"/>
-    <p:sldId id="260" r:id="rId33"/>
+    <p:sldId id="268" r:id="rId4"/>
+    <p:sldId id="261" r:id="rId5"/>
+    <p:sldId id="263" r:id="rId6"/>
+    <p:sldId id="265" r:id="rId7"/>
+    <p:sldId id="278" r:id="rId8"/>
+    <p:sldId id="282" r:id="rId9"/>
+    <p:sldId id="267" r:id="rId10"/>
+    <p:sldId id="277" r:id="rId11"/>
+    <p:sldId id="289" r:id="rId12"/>
+    <p:sldId id="290" r:id="rId13"/>
+    <p:sldId id="284" r:id="rId14"/>
+    <p:sldId id="257" r:id="rId15"/>
+    <p:sldId id="264" r:id="rId16"/>
+    <p:sldId id="266" r:id="rId17"/>
+    <p:sldId id="269" r:id="rId18"/>
+    <p:sldId id="270" r:id="rId19"/>
+    <p:sldId id="285" r:id="rId20"/>
+    <p:sldId id="271" r:id="rId21"/>
+    <p:sldId id="258" r:id="rId22"/>
+    <p:sldId id="273" r:id="rId23"/>
+    <p:sldId id="283" r:id="rId24"/>
+    <p:sldId id="275" r:id="rId25"/>
+    <p:sldId id="276" r:id="rId26"/>
+    <p:sldId id="279" r:id="rId27"/>
+    <p:sldId id="286" r:id="rId28"/>
+    <p:sldId id="280" r:id="rId29"/>
+    <p:sldId id="259" r:id="rId30"/>
+    <p:sldId id="287" r:id="rId31"/>
+    <p:sldId id="260" r:id="rId32"/>
   </p:sldIdLst>
   <p:sldSz cx="12192000" cy="6858000"/>
   <p:notesSz cx="6858000" cy="9144000"/>
@@ -145,7 +144,6 @@
           <p14:sldIdLst>
             <p14:sldId id="256"/>
             <p14:sldId id="288"/>
-            <p14:sldId id="274"/>
             <p14:sldId id="268"/>
           </p14:sldIdLst>
         </p14:section>
@@ -212,654 +210,6 @@
     <p1510:client id="{3FCB7495-1EB3-41F0-AFEE-45AE0B9506FE}" v="157" dt="2018-10-08T01:13:21.528"/>
   </p1510:revLst>
 </p1510:revInfo>
-</file>
-
-<file path=ppt/changesInfos/changesInfo1.xml><?xml version="1.0" encoding="utf-8"?>
-<pc:chgInfo xmlns:a="http://schemas.openxmlformats.org/drawingml/2006/main" xmlns:r="http://schemas.openxmlformats.org/officeDocument/2006/relationships" xmlns:ac="http://schemas.microsoft.com/office/drawing/2013/main/command" xmlns:pc="http://schemas.microsoft.com/office/powerpoint/2013/main/command">
-  <pc:docChgLst>
-    <pc:chgData name="Mathew Warger" userId="d998528b88c810d3" providerId="LiveId" clId="{3B10843E-9109-4F1C-836A-727A3E907952}"/>
-  </pc:docChgLst>
-  <pc:docChgLst>
-    <pc:chgData name="Mathew Warger" userId="d998528b88c810d3" providerId="LiveId" clId="{3FCB7495-1EB3-41F0-AFEE-45AE0B9506FE}"/>
-    <pc:docChg chg="undo redo custSel mod addSld delSld modSld sldOrd modSection">
-      <pc:chgData name="Mathew Warger" userId="d998528b88c810d3" providerId="LiveId" clId="{3FCB7495-1EB3-41F0-AFEE-45AE0B9506FE}" dt="2018-10-08T01:13:21.528" v="1003"/>
-      <pc:docMkLst>
-        <pc:docMk/>
-      </pc:docMkLst>
-      <pc:sldChg chg="modSp">
-        <pc:chgData name="Mathew Warger" userId="d998528b88c810d3" providerId="LiveId" clId="{3FCB7495-1EB3-41F0-AFEE-45AE0B9506FE}" dt="2018-09-30T19:42:52.681" v="10" actId="6549"/>
-        <pc:sldMkLst>
-          <pc:docMk/>
-          <pc:sldMk cId="2065039349" sldId="259"/>
-        </pc:sldMkLst>
-        <pc:spChg chg="mod">
-          <ac:chgData name="Mathew Warger" userId="d998528b88c810d3" providerId="LiveId" clId="{3FCB7495-1EB3-41F0-AFEE-45AE0B9506FE}" dt="2018-09-30T19:42:52.681" v="10" actId="6549"/>
-          <ac:spMkLst>
-            <pc:docMk/>
-            <pc:sldMk cId="2065039349" sldId="259"/>
-            <ac:spMk id="5" creationId="{2F6A4305-B114-4B3E-BFFA-7607D45939DD}"/>
-          </ac:spMkLst>
-        </pc:spChg>
-      </pc:sldChg>
-      <pc:sldChg chg="modSp">
-        <pc:chgData name="Mathew Warger" userId="d998528b88c810d3" providerId="LiveId" clId="{3FCB7495-1EB3-41F0-AFEE-45AE0B9506FE}" dt="2018-10-06T19:50:12.468" v="136" actId="20577"/>
-        <pc:sldMkLst>
-          <pc:docMk/>
-          <pc:sldMk cId="2413457981" sldId="260"/>
-        </pc:sldMkLst>
-        <pc:spChg chg="mod">
-          <ac:chgData name="Mathew Warger" userId="d998528b88c810d3" providerId="LiveId" clId="{3FCB7495-1EB3-41F0-AFEE-45AE0B9506FE}" dt="2018-10-06T19:50:12.468" v="136" actId="20577"/>
-          <ac:spMkLst>
-            <pc:docMk/>
-            <pc:sldMk cId="2413457981" sldId="260"/>
-            <ac:spMk id="7" creationId="{B263D555-505A-4916-9E99-A8A68B37C20E}"/>
-          </ac:spMkLst>
-        </pc:spChg>
-        <pc:spChg chg="mod">
-          <ac:chgData name="Mathew Warger" userId="d998528b88c810d3" providerId="LiveId" clId="{3FCB7495-1EB3-41F0-AFEE-45AE0B9506FE}" dt="2018-10-06T19:49:57.302" v="135" actId="20577"/>
-          <ac:spMkLst>
-            <pc:docMk/>
-            <pc:sldMk cId="2413457981" sldId="260"/>
-            <ac:spMk id="8" creationId="{0A8E060B-2BE3-4270-B11E-CE57333526D6}"/>
-          </ac:spMkLst>
-        </pc:spChg>
-      </pc:sldChg>
-      <pc:sldChg chg="addSp delSp modSp mod setBg">
-        <pc:chgData name="Mathew Warger" userId="d998528b88c810d3" providerId="LiveId" clId="{3FCB7495-1EB3-41F0-AFEE-45AE0B9506FE}" dt="2018-10-06T20:25:30.943" v="975" actId="26606"/>
-        <pc:sldMkLst>
-          <pc:docMk/>
-          <pc:sldMk cId="1598587981" sldId="267"/>
-        </pc:sldMkLst>
-        <pc:spChg chg="mod">
-          <ac:chgData name="Mathew Warger" userId="d998528b88c810d3" providerId="LiveId" clId="{3FCB7495-1EB3-41F0-AFEE-45AE0B9506FE}" dt="2018-10-06T20:25:30.943" v="975" actId="26606"/>
-          <ac:spMkLst>
-            <pc:docMk/>
-            <pc:sldMk cId="1598587981" sldId="267"/>
-            <ac:spMk id="4" creationId="{1709ECF3-5B8D-4673-BB34-1DCD499364D5}"/>
-          </ac:spMkLst>
-        </pc:spChg>
-        <pc:spChg chg="mod">
-          <ac:chgData name="Mathew Warger" userId="d998528b88c810d3" providerId="LiveId" clId="{3FCB7495-1EB3-41F0-AFEE-45AE0B9506FE}" dt="2018-10-06T20:25:30.943" v="975" actId="26606"/>
-          <ac:spMkLst>
-            <pc:docMk/>
-            <pc:sldMk cId="1598587981" sldId="267"/>
-            <ac:spMk id="6" creationId="{25C3FF36-D1CB-4211-B5B6-BCE3441E14DA}"/>
-          </ac:spMkLst>
-        </pc:spChg>
-        <pc:spChg chg="add del">
-          <ac:chgData name="Mathew Warger" userId="d998528b88c810d3" providerId="LiveId" clId="{3FCB7495-1EB3-41F0-AFEE-45AE0B9506FE}" dt="2018-10-06T20:25:30.929" v="974" actId="26606"/>
-          <ac:spMkLst>
-            <pc:docMk/>
-            <pc:sldMk cId="1598587981" sldId="267"/>
-            <ac:spMk id="11" creationId="{499ECD84-C10C-4D8E-BBDC-48976DFE9806}"/>
-          </ac:spMkLst>
-        </pc:spChg>
-        <pc:spChg chg="add del">
-          <ac:chgData name="Mathew Warger" userId="d998528b88c810d3" providerId="LiveId" clId="{3FCB7495-1EB3-41F0-AFEE-45AE0B9506FE}" dt="2018-10-06T20:25:30.929" v="974" actId="26606"/>
-          <ac:spMkLst>
-            <pc:docMk/>
-            <pc:sldMk cId="1598587981" sldId="267"/>
-            <ac:spMk id="13" creationId="{ABC89463-D318-4EC4-8DC8-2A360E19460A}"/>
-          </ac:spMkLst>
-        </pc:spChg>
-        <pc:spChg chg="add">
-          <ac:chgData name="Mathew Warger" userId="d998528b88c810d3" providerId="LiveId" clId="{3FCB7495-1EB3-41F0-AFEE-45AE0B9506FE}" dt="2018-10-06T20:25:30.943" v="975" actId="26606"/>
-          <ac:spMkLst>
-            <pc:docMk/>
-            <pc:sldMk cId="1598587981" sldId="267"/>
-            <ac:spMk id="15" creationId="{760961B7-C858-4B97-B561-DB0E1342F107}"/>
-          </ac:spMkLst>
-        </pc:spChg>
-      </pc:sldChg>
-      <pc:sldChg chg="addSp delSp modSp mod setBg">
-        <pc:chgData name="Mathew Warger" userId="d998528b88c810d3" providerId="LiveId" clId="{3FCB7495-1EB3-41F0-AFEE-45AE0B9506FE}" dt="2018-10-06T20:19:02.723" v="964"/>
-        <pc:sldMkLst>
-          <pc:docMk/>
-          <pc:sldMk cId="556064013" sldId="268"/>
-        </pc:sldMkLst>
-        <pc:spChg chg="mod">
-          <ac:chgData name="Mathew Warger" userId="d998528b88c810d3" providerId="LiveId" clId="{3FCB7495-1EB3-41F0-AFEE-45AE0B9506FE}" dt="2018-10-06T20:17:34.720" v="963" actId="26606"/>
-          <ac:spMkLst>
-            <pc:docMk/>
-            <pc:sldMk cId="556064013" sldId="268"/>
-            <ac:spMk id="2" creationId="{9A9B0E71-1401-4A15-B130-D363BE0C723A}"/>
-          </ac:spMkLst>
-        </pc:spChg>
-        <pc:spChg chg="del mod">
-          <ac:chgData name="Mathew Warger" userId="d998528b88c810d3" providerId="LiveId" clId="{3FCB7495-1EB3-41F0-AFEE-45AE0B9506FE}" dt="2018-10-06T20:17:34.720" v="963" actId="26606"/>
-          <ac:spMkLst>
-            <pc:docMk/>
-            <pc:sldMk cId="556064013" sldId="268"/>
-            <ac:spMk id="3" creationId="{3561494B-95AB-4A66-9064-51F4D1FA5846}"/>
-          </ac:spMkLst>
-        </pc:spChg>
-        <pc:spChg chg="mod">
-          <ac:chgData name="Mathew Warger" userId="d998528b88c810d3" providerId="LiveId" clId="{3FCB7495-1EB3-41F0-AFEE-45AE0B9506FE}" dt="2018-10-06T20:17:34.720" v="963" actId="26606"/>
-          <ac:spMkLst>
-            <pc:docMk/>
-            <pc:sldMk cId="556064013" sldId="268"/>
-            <ac:spMk id="4" creationId="{F1E8517E-AA96-40A8-9328-3A929D2341B9}"/>
-          </ac:spMkLst>
-        </pc:spChg>
-        <pc:spChg chg="add">
-          <ac:chgData name="Mathew Warger" userId="d998528b88c810d3" providerId="LiveId" clId="{3FCB7495-1EB3-41F0-AFEE-45AE0B9506FE}" dt="2018-10-06T20:17:34.720" v="963" actId="26606"/>
-          <ac:spMkLst>
-            <pc:docMk/>
-            <pc:sldMk cId="556064013" sldId="268"/>
-            <ac:spMk id="11" creationId="{787E4CF4-B464-4A12-B2C4-F5F5DFF5C731}"/>
-          </ac:spMkLst>
-        </pc:spChg>
-        <pc:spChg chg="add">
-          <ac:chgData name="Mathew Warger" userId="d998528b88c810d3" providerId="LiveId" clId="{3FCB7495-1EB3-41F0-AFEE-45AE0B9506FE}" dt="2018-10-06T20:17:34.720" v="963" actId="26606"/>
-          <ac:spMkLst>
-            <pc:docMk/>
-            <pc:sldMk cId="556064013" sldId="268"/>
-            <ac:spMk id="13" creationId="{AEEBCE4F-713D-46E4-AF4A-F7B083C4ED98}"/>
-          </ac:spMkLst>
-        </pc:spChg>
-        <pc:spChg chg="add">
-          <ac:chgData name="Mathew Warger" userId="d998528b88c810d3" providerId="LiveId" clId="{3FCB7495-1EB3-41F0-AFEE-45AE0B9506FE}" dt="2018-10-06T20:17:34.720" v="963" actId="26606"/>
-          <ac:spMkLst>
-            <pc:docMk/>
-            <pc:sldMk cId="556064013" sldId="268"/>
-            <ac:spMk id="15" creationId="{7851551C-C7A7-4E19-9C80-67B8A77DEBDD}"/>
-          </ac:spMkLst>
-        </pc:spChg>
-        <pc:graphicFrameChg chg="add mod">
-          <ac:chgData name="Mathew Warger" userId="d998528b88c810d3" providerId="LiveId" clId="{3FCB7495-1EB3-41F0-AFEE-45AE0B9506FE}" dt="2018-10-06T20:19:02.723" v="964"/>
-          <ac:graphicFrameMkLst>
-            <pc:docMk/>
-            <pc:sldMk cId="556064013" sldId="268"/>
-            <ac:graphicFrameMk id="6" creationId="{86B97AF8-7579-441E-95FD-E739DF75D39F}"/>
-          </ac:graphicFrameMkLst>
-        </pc:graphicFrameChg>
-      </pc:sldChg>
-      <pc:sldChg chg="modSp mod setBg">
-        <pc:chgData name="Mathew Warger" userId="d998528b88c810d3" providerId="LiveId" clId="{3FCB7495-1EB3-41F0-AFEE-45AE0B9506FE}" dt="2018-10-06T20:26:37.740" v="978" actId="26606"/>
-        <pc:sldMkLst>
-          <pc:docMk/>
-          <pc:sldMk cId="1275141045" sldId="270"/>
-        </pc:sldMkLst>
-        <pc:spChg chg="mod">
-          <ac:chgData name="Mathew Warger" userId="d998528b88c810d3" providerId="LiveId" clId="{3FCB7495-1EB3-41F0-AFEE-45AE0B9506FE}" dt="2018-10-06T20:26:37.740" v="978" actId="26606"/>
-          <ac:spMkLst>
-            <pc:docMk/>
-            <pc:sldMk cId="1275141045" sldId="270"/>
-            <ac:spMk id="2" creationId="{BDD88F87-8CAB-40CB-BFE2-15E45A4C7024}"/>
-          </ac:spMkLst>
-        </pc:spChg>
-        <pc:spChg chg="mod">
-          <ac:chgData name="Mathew Warger" userId="d998528b88c810d3" providerId="LiveId" clId="{3FCB7495-1EB3-41F0-AFEE-45AE0B9506FE}" dt="2018-10-06T20:26:37.740" v="978" actId="26606"/>
-          <ac:spMkLst>
-            <pc:docMk/>
-            <pc:sldMk cId="1275141045" sldId="270"/>
-            <ac:spMk id="4" creationId="{1709ECF3-5B8D-4673-BB34-1DCD499364D5}"/>
-          </ac:spMkLst>
-        </pc:spChg>
-      </pc:sldChg>
-      <pc:sldChg chg="addSp delSp modSp mod setBg">
-        <pc:chgData name="Mathew Warger" userId="d998528b88c810d3" providerId="LiveId" clId="{3FCB7495-1EB3-41F0-AFEE-45AE0B9506FE}" dt="2018-10-06T20:28:03.299" v="997" actId="207"/>
-        <pc:sldMkLst>
-          <pc:docMk/>
-          <pc:sldMk cId="4035441973" sldId="271"/>
-        </pc:sldMkLst>
-        <pc:spChg chg="mod">
-          <ac:chgData name="Mathew Warger" userId="d998528b88c810d3" providerId="LiveId" clId="{3FCB7495-1EB3-41F0-AFEE-45AE0B9506FE}" dt="2018-10-06T20:27:23.417" v="988" actId="26606"/>
-          <ac:spMkLst>
-            <pc:docMk/>
-            <pc:sldMk cId="4035441973" sldId="271"/>
-            <ac:spMk id="2" creationId="{94E526CD-4B97-4184-8DC9-EE6F5A0DA95E}"/>
-          </ac:spMkLst>
-        </pc:spChg>
-        <pc:spChg chg="mod">
-          <ac:chgData name="Mathew Warger" userId="d998528b88c810d3" providerId="LiveId" clId="{3FCB7495-1EB3-41F0-AFEE-45AE0B9506FE}" dt="2018-10-06T20:28:03.299" v="997" actId="207"/>
-          <ac:spMkLst>
-            <pc:docMk/>
-            <pc:sldMk cId="4035441973" sldId="271"/>
-            <ac:spMk id="4" creationId="{1709ECF3-5B8D-4673-BB34-1DCD499364D5}"/>
-          </ac:spMkLst>
-        </pc:spChg>
-        <pc:spChg chg="add del">
-          <ac:chgData name="Mathew Warger" userId="d998528b88c810d3" providerId="LiveId" clId="{3FCB7495-1EB3-41F0-AFEE-45AE0B9506FE}" dt="2018-10-06T20:27:23.406" v="987" actId="26606"/>
-          <ac:spMkLst>
-            <pc:docMk/>
-            <pc:sldMk cId="4035441973" sldId="271"/>
-            <ac:spMk id="9" creationId="{83C58B8C-2ED1-4E50-9F4E-6C4CDE5FF293}"/>
-          </ac:spMkLst>
-        </pc:spChg>
-        <pc:spChg chg="add del">
-          <ac:chgData name="Mathew Warger" userId="d998528b88c810d3" providerId="LiveId" clId="{3FCB7495-1EB3-41F0-AFEE-45AE0B9506FE}" dt="2018-10-06T20:27:23.406" v="987" actId="26606"/>
-          <ac:spMkLst>
-            <pc:docMk/>
-            <pc:sldMk cId="4035441973" sldId="271"/>
-            <ac:spMk id="11" creationId="{5B7017EB-1CE0-4EAD-B933-4F258597331D}"/>
-          </ac:spMkLst>
-        </pc:spChg>
-      </pc:sldChg>
-      <pc:sldChg chg="modTransition">
-        <pc:chgData name="Mathew Warger" userId="d998528b88c810d3" providerId="LiveId" clId="{3FCB7495-1EB3-41F0-AFEE-45AE0B9506FE}" dt="2018-10-08T01:13:21.528" v="1003"/>
-        <pc:sldMkLst>
-          <pc:docMk/>
-          <pc:sldMk cId="1632715447" sldId="274"/>
-        </pc:sldMkLst>
-      </pc:sldChg>
-      <pc:sldChg chg="addSp modSp mod setBg">
-        <pc:chgData name="Mathew Warger" userId="d998528b88c810d3" providerId="LiveId" clId="{3FCB7495-1EB3-41F0-AFEE-45AE0B9506FE}" dt="2018-10-06T20:25:55.867" v="976" actId="26606"/>
-        <pc:sldMkLst>
-          <pc:docMk/>
-          <pc:sldMk cId="1879082304" sldId="277"/>
-        </pc:sldMkLst>
-        <pc:spChg chg="mod">
-          <ac:chgData name="Mathew Warger" userId="d998528b88c810d3" providerId="LiveId" clId="{3FCB7495-1EB3-41F0-AFEE-45AE0B9506FE}" dt="2018-10-06T20:25:55.867" v="976" actId="26606"/>
-          <ac:spMkLst>
-            <pc:docMk/>
-            <pc:sldMk cId="1879082304" sldId="277"/>
-            <ac:spMk id="2" creationId="{D9B9925E-5A81-4126-946D-B4010D86C8EB}"/>
-          </ac:spMkLst>
-        </pc:spChg>
-        <pc:spChg chg="mod">
-          <ac:chgData name="Mathew Warger" userId="d998528b88c810d3" providerId="LiveId" clId="{3FCB7495-1EB3-41F0-AFEE-45AE0B9506FE}" dt="2018-10-06T20:25:55.867" v="976" actId="26606"/>
-          <ac:spMkLst>
-            <pc:docMk/>
-            <pc:sldMk cId="1879082304" sldId="277"/>
-            <ac:spMk id="4" creationId="{1709ECF3-5B8D-4673-BB34-1DCD499364D5}"/>
-          </ac:spMkLst>
-        </pc:spChg>
-        <pc:spChg chg="add">
-          <ac:chgData name="Mathew Warger" userId="d998528b88c810d3" providerId="LiveId" clId="{3FCB7495-1EB3-41F0-AFEE-45AE0B9506FE}" dt="2018-10-06T20:25:55.867" v="976" actId="26606"/>
-          <ac:spMkLst>
-            <pc:docMk/>
-            <pc:sldMk cId="1879082304" sldId="277"/>
-            <ac:spMk id="9" creationId="{499ECD84-C10C-4D8E-BBDC-48976DFE9806}"/>
-          </ac:spMkLst>
-        </pc:spChg>
-        <pc:spChg chg="add">
-          <ac:chgData name="Mathew Warger" userId="d998528b88c810d3" providerId="LiveId" clId="{3FCB7495-1EB3-41F0-AFEE-45AE0B9506FE}" dt="2018-10-06T20:25:55.867" v="976" actId="26606"/>
-          <ac:spMkLst>
-            <pc:docMk/>
-            <pc:sldMk cId="1879082304" sldId="277"/>
-            <ac:spMk id="11" creationId="{ABC89463-D318-4EC4-8DC8-2A360E19460A}"/>
-          </ac:spMkLst>
-        </pc:spChg>
-      </pc:sldChg>
-      <pc:sldChg chg="addSp delSp modSp mod setBg">
-        <pc:chgData name="Mathew Warger" userId="d998528b88c810d3" providerId="LiveId" clId="{3FCB7495-1EB3-41F0-AFEE-45AE0B9506FE}" dt="2018-10-06T20:20:59.651" v="969" actId="26606"/>
-        <pc:sldMkLst>
-          <pc:docMk/>
-          <pc:sldMk cId="4004911629" sldId="278"/>
-        </pc:sldMkLst>
-        <pc:spChg chg="mod">
-          <ac:chgData name="Mathew Warger" userId="d998528b88c810d3" providerId="LiveId" clId="{3FCB7495-1EB3-41F0-AFEE-45AE0B9506FE}" dt="2018-10-06T20:20:19.095" v="967" actId="26606"/>
-          <ac:spMkLst>
-            <pc:docMk/>
-            <pc:sldMk cId="4004911629" sldId="278"/>
-            <ac:spMk id="2" creationId="{4D364B85-C09E-456B-BECE-A83B802C8210}"/>
-          </ac:spMkLst>
-        </pc:spChg>
-        <pc:spChg chg="del">
-          <ac:chgData name="Mathew Warger" userId="d998528b88c810d3" providerId="LiveId" clId="{3FCB7495-1EB3-41F0-AFEE-45AE0B9506FE}" dt="2018-10-06T20:19:36.124" v="965" actId="26606"/>
-          <ac:spMkLst>
-            <pc:docMk/>
-            <pc:sldMk cId="4004911629" sldId="278"/>
-            <ac:spMk id="3" creationId="{FD86A3D0-4159-4EC4-A33A-6203BC76422E}"/>
-          </ac:spMkLst>
-        </pc:spChg>
-        <pc:spChg chg="mod">
-          <ac:chgData name="Mathew Warger" userId="d998528b88c810d3" providerId="LiveId" clId="{3FCB7495-1EB3-41F0-AFEE-45AE0B9506FE}" dt="2018-10-06T20:20:19.095" v="967" actId="26606"/>
-          <ac:spMkLst>
-            <pc:docMk/>
-            <pc:sldMk cId="4004911629" sldId="278"/>
-            <ac:spMk id="4" creationId="{742DBB83-7AA9-42FD-AD3F-0523E82A13BD}"/>
-          </ac:spMkLst>
-        </pc:spChg>
-        <pc:spChg chg="add del">
-          <ac:chgData name="Mathew Warger" userId="d998528b88c810d3" providerId="LiveId" clId="{3FCB7495-1EB3-41F0-AFEE-45AE0B9506FE}" dt="2018-10-06T20:20:59.651" v="969" actId="26606"/>
-          <ac:spMkLst>
-            <pc:docMk/>
-            <pc:sldMk cId="4004911629" sldId="278"/>
-            <ac:spMk id="11" creationId="{FDAEB9E5-1063-4DF6-B675-1CF1F25A376F}"/>
-          </ac:spMkLst>
-        </pc:spChg>
-        <pc:spChg chg="add del">
-          <ac:chgData name="Mathew Warger" userId="d998528b88c810d3" providerId="LiveId" clId="{3FCB7495-1EB3-41F0-AFEE-45AE0B9506FE}" dt="2018-10-06T20:20:59.651" v="969" actId="26606"/>
-          <ac:spMkLst>
-            <pc:docMk/>
-            <pc:sldMk cId="4004911629" sldId="278"/>
-            <ac:spMk id="13" creationId="{9A9DD9D5-E7C6-4828-8C55-2AF7ADBB99BC}"/>
-          </ac:spMkLst>
-        </pc:spChg>
-        <pc:spChg chg="add">
-          <ac:chgData name="Mathew Warger" userId="d998528b88c810d3" providerId="LiveId" clId="{3FCB7495-1EB3-41F0-AFEE-45AE0B9506FE}" dt="2018-10-06T20:20:59.651" v="969" actId="26606"/>
-          <ac:spMkLst>
-            <pc:docMk/>
-            <pc:sldMk cId="4004911629" sldId="278"/>
-            <ac:spMk id="18" creationId="{FDAEB9E5-1063-4DF6-B675-1CF1F25A376F}"/>
-          </ac:spMkLst>
-        </pc:spChg>
-        <pc:spChg chg="add">
-          <ac:chgData name="Mathew Warger" userId="d998528b88c810d3" providerId="LiveId" clId="{3FCB7495-1EB3-41F0-AFEE-45AE0B9506FE}" dt="2018-10-06T20:20:59.651" v="969" actId="26606"/>
-          <ac:spMkLst>
-            <pc:docMk/>
-            <pc:sldMk cId="4004911629" sldId="278"/>
-            <ac:spMk id="20" creationId="{9A9DD9D5-E7C6-4828-8C55-2AF7ADBB99BC}"/>
-          </ac:spMkLst>
-        </pc:spChg>
-        <pc:graphicFrameChg chg="add mod modGraphic">
-          <ac:chgData name="Mathew Warger" userId="d998528b88c810d3" providerId="LiveId" clId="{3FCB7495-1EB3-41F0-AFEE-45AE0B9506FE}" dt="2018-10-06T20:20:59.651" v="969" actId="26606"/>
-          <ac:graphicFrameMkLst>
-            <pc:docMk/>
-            <pc:sldMk cId="4004911629" sldId="278"/>
-            <ac:graphicFrameMk id="6" creationId="{336C94ED-5D49-4C11-B043-EC696EBD734C}"/>
-          </ac:graphicFrameMkLst>
-        </pc:graphicFrameChg>
-      </pc:sldChg>
-      <pc:sldChg chg="addSp delSp modSp">
-        <pc:chgData name="Mathew Warger" userId="d998528b88c810d3" providerId="LiveId" clId="{3FCB7495-1EB3-41F0-AFEE-45AE0B9506FE}" dt="2018-10-06T20:04:15.270" v="625" actId="20577"/>
-        <pc:sldMkLst>
-          <pc:docMk/>
-          <pc:sldMk cId="2640842011" sldId="280"/>
-        </pc:sldMkLst>
-        <pc:spChg chg="add mod">
-          <ac:chgData name="Mathew Warger" userId="d998528b88c810d3" providerId="LiveId" clId="{3FCB7495-1EB3-41F0-AFEE-45AE0B9506FE}" dt="2018-10-06T20:03:15.859" v="520" actId="27636"/>
-          <ac:spMkLst>
-            <pc:docMk/>
-            <pc:sldMk cId="2640842011" sldId="280"/>
-            <ac:spMk id="3" creationId="{268F4694-892C-4E12-8C38-3E5143515CBA}"/>
-          </ac:spMkLst>
-        </pc:spChg>
-        <pc:spChg chg="mod">
-          <ac:chgData name="Mathew Warger" userId="d998528b88c810d3" providerId="LiveId" clId="{3FCB7495-1EB3-41F0-AFEE-45AE0B9506FE}" dt="2018-10-06T20:02:46.615" v="493"/>
-          <ac:spMkLst>
-            <pc:docMk/>
-            <pc:sldMk cId="2640842011" sldId="280"/>
-            <ac:spMk id="5" creationId="{C434AB61-3FED-4263-B469-608520DE0AAB}"/>
-          </ac:spMkLst>
-        </pc:spChg>
-        <pc:spChg chg="del mod">
-          <ac:chgData name="Mathew Warger" userId="d998528b88c810d3" providerId="LiveId" clId="{3FCB7495-1EB3-41F0-AFEE-45AE0B9506FE}" dt="2018-10-06T20:02:51.602" v="494" actId="478"/>
-          <ac:spMkLst>
-            <pc:docMk/>
-            <pc:sldMk cId="2640842011" sldId="280"/>
-            <ac:spMk id="6" creationId="{D63C1A90-AC13-4666-8177-E31FB638B7DD}"/>
-          </ac:spMkLst>
-        </pc:spChg>
-        <pc:spChg chg="mod">
-          <ac:chgData name="Mathew Warger" userId="d998528b88c810d3" providerId="LiveId" clId="{3FCB7495-1EB3-41F0-AFEE-45AE0B9506FE}" dt="2018-10-06T20:04:15.270" v="625" actId="20577"/>
-          <ac:spMkLst>
-            <pc:docMk/>
-            <pc:sldMk cId="2640842011" sldId="280"/>
-            <ac:spMk id="7" creationId="{D39B885C-D46D-4748-9F91-DEAAC9163E96}"/>
-          </ac:spMkLst>
-        </pc:spChg>
-        <pc:spChg chg="add del mod">
-          <ac:chgData name="Mathew Warger" userId="d998528b88c810d3" providerId="LiveId" clId="{3FCB7495-1EB3-41F0-AFEE-45AE0B9506FE}" dt="2018-10-06T19:55:33.504" v="194" actId="478"/>
-          <ac:spMkLst>
-            <pc:docMk/>
-            <pc:sldMk cId="2640842011" sldId="280"/>
-            <ac:spMk id="8" creationId="{1D8557CB-C10A-4D87-82A5-EEB80978E587}"/>
-          </ac:spMkLst>
-        </pc:spChg>
-      </pc:sldChg>
-      <pc:sldChg chg="addSp delSp modSp mod setBg">
-        <pc:chgData name="Mathew Warger" userId="d998528b88c810d3" providerId="LiveId" clId="{3FCB7495-1EB3-41F0-AFEE-45AE0B9506FE}" dt="2018-10-06T20:24:56.476" v="972" actId="12100"/>
-        <pc:sldMkLst>
-          <pc:docMk/>
-          <pc:sldMk cId="4004911629" sldId="282"/>
-        </pc:sldMkLst>
-        <pc:spChg chg="mod">
-          <ac:chgData name="Mathew Warger" userId="d998528b88c810d3" providerId="LiveId" clId="{3FCB7495-1EB3-41F0-AFEE-45AE0B9506FE}" dt="2018-10-06T20:24:17.841" v="971" actId="26606"/>
-          <ac:spMkLst>
-            <pc:docMk/>
-            <pc:sldMk cId="4004911629" sldId="282"/>
-            <ac:spMk id="2" creationId="{4D364B85-C09E-456B-BECE-A83B802C8210}"/>
-          </ac:spMkLst>
-        </pc:spChg>
-        <pc:spChg chg="del">
-          <ac:chgData name="Mathew Warger" userId="d998528b88c810d3" providerId="LiveId" clId="{3FCB7495-1EB3-41F0-AFEE-45AE0B9506FE}" dt="2018-10-06T20:20:03.914" v="966" actId="26606"/>
-          <ac:spMkLst>
-            <pc:docMk/>
-            <pc:sldMk cId="4004911629" sldId="282"/>
-            <ac:spMk id="3" creationId="{FD86A3D0-4159-4EC4-A33A-6203BC76422E}"/>
-          </ac:spMkLst>
-        </pc:spChg>
-        <pc:spChg chg="mod">
-          <ac:chgData name="Mathew Warger" userId="d998528b88c810d3" providerId="LiveId" clId="{3FCB7495-1EB3-41F0-AFEE-45AE0B9506FE}" dt="2018-10-06T20:24:17.841" v="971" actId="26606"/>
-          <ac:spMkLst>
-            <pc:docMk/>
-            <pc:sldMk cId="4004911629" sldId="282"/>
-            <ac:spMk id="4" creationId="{742DBB83-7AA9-42FD-AD3F-0523E82A13BD}"/>
-          </ac:spMkLst>
-        </pc:spChg>
-        <pc:spChg chg="add">
-          <ac:chgData name="Mathew Warger" userId="d998528b88c810d3" providerId="LiveId" clId="{3FCB7495-1EB3-41F0-AFEE-45AE0B9506FE}" dt="2018-10-06T20:24:17.841" v="971" actId="26606"/>
-          <ac:spMkLst>
-            <pc:docMk/>
-            <pc:sldMk cId="4004911629" sldId="282"/>
-            <ac:spMk id="8" creationId="{51331EDD-4611-4E9A-A7AF-F37070362C7D}"/>
-          </ac:spMkLst>
-        </pc:spChg>
-        <pc:spChg chg="add">
-          <ac:chgData name="Mathew Warger" userId="d998528b88c810d3" providerId="LiveId" clId="{3FCB7495-1EB3-41F0-AFEE-45AE0B9506FE}" dt="2018-10-06T20:24:17.841" v="971" actId="26606"/>
-          <ac:spMkLst>
-            <pc:docMk/>
-            <pc:sldMk cId="4004911629" sldId="282"/>
-            <ac:spMk id="9" creationId="{1186BBAE-A50C-4124-AEFE-5CE7FA0B50F5}"/>
-          </ac:spMkLst>
-        </pc:spChg>
-        <pc:spChg chg="add del">
-          <ac:chgData name="Mathew Warger" userId="d998528b88c810d3" providerId="LiveId" clId="{3FCB7495-1EB3-41F0-AFEE-45AE0B9506FE}" dt="2018-10-06T20:20:36.237" v="968" actId="26606"/>
-          <ac:spMkLst>
-            <pc:docMk/>
-            <pc:sldMk cId="4004911629" sldId="282"/>
-            <ac:spMk id="11" creationId="{7FBE789D-66E0-4C5C-8DDC-CF4D7BF2180F}"/>
-          </ac:spMkLst>
-        </pc:spChg>
-        <pc:spChg chg="add del">
-          <ac:chgData name="Mathew Warger" userId="d998528b88c810d3" providerId="LiveId" clId="{3FCB7495-1EB3-41F0-AFEE-45AE0B9506FE}" dt="2018-10-06T20:20:36.237" v="968" actId="26606"/>
-          <ac:spMkLst>
-            <pc:docMk/>
-            <pc:sldMk cId="4004911629" sldId="282"/>
-            <ac:spMk id="13" creationId="{26C092F8-98E3-4599-A7BF-1B658CF1D3F4}"/>
-          </ac:spMkLst>
-        </pc:spChg>
-        <pc:graphicFrameChg chg="add mod modGraphic">
-          <ac:chgData name="Mathew Warger" userId="d998528b88c810d3" providerId="LiveId" clId="{3FCB7495-1EB3-41F0-AFEE-45AE0B9506FE}" dt="2018-10-06T20:24:56.476" v="972" actId="12100"/>
-          <ac:graphicFrameMkLst>
-            <pc:docMk/>
-            <pc:sldMk cId="4004911629" sldId="282"/>
-            <ac:graphicFrameMk id="6" creationId="{0A7B4BDA-65E5-4359-9F6F-9903AD779E14}"/>
-          </ac:graphicFrameMkLst>
-        </pc:graphicFrameChg>
-      </pc:sldChg>
-      <pc:sldChg chg="addSp delSp modSp mod setBg setClrOvrMap">
-        <pc:chgData name="Mathew Warger" userId="d998528b88c810d3" providerId="LiveId" clId="{3FCB7495-1EB3-41F0-AFEE-45AE0B9506FE}" dt="2018-10-06T20:28:30.739" v="999" actId="20577"/>
-        <pc:sldMkLst>
-          <pc:docMk/>
-          <pc:sldMk cId="1937002919" sldId="283"/>
-        </pc:sldMkLst>
-        <pc:spChg chg="mod">
-          <ac:chgData name="Mathew Warger" userId="d998528b88c810d3" providerId="LiveId" clId="{3FCB7495-1EB3-41F0-AFEE-45AE0B9506FE}" dt="2018-10-06T20:28:28.035" v="998" actId="26606"/>
-          <ac:spMkLst>
-            <pc:docMk/>
-            <pc:sldMk cId="1937002919" sldId="283"/>
-            <ac:spMk id="4" creationId="{99BB7294-6720-47D1-B737-B4195D040FA5}"/>
-          </ac:spMkLst>
-        </pc:spChg>
-        <pc:spChg chg="mod">
-          <ac:chgData name="Mathew Warger" userId="d998528b88c810d3" providerId="LiveId" clId="{3FCB7495-1EB3-41F0-AFEE-45AE0B9506FE}" dt="2018-10-06T20:28:28.035" v="998" actId="26606"/>
-          <ac:spMkLst>
-            <pc:docMk/>
-            <pc:sldMk cId="1937002919" sldId="283"/>
-            <ac:spMk id="5" creationId="{58727136-1F23-47AC-B682-638E50EEAAB0}"/>
-          </ac:spMkLst>
-        </pc:spChg>
-        <pc:spChg chg="del">
-          <ac:chgData name="Mathew Warger" userId="d998528b88c810d3" providerId="LiveId" clId="{3FCB7495-1EB3-41F0-AFEE-45AE0B9506FE}" dt="2018-10-06T20:28:28.035" v="998" actId="26606"/>
-          <ac:spMkLst>
-            <pc:docMk/>
-            <pc:sldMk cId="1937002919" sldId="283"/>
-            <ac:spMk id="6" creationId="{D2F3C556-5A82-425B-8F47-F45B73BA5D36}"/>
-          </ac:spMkLst>
-        </pc:spChg>
-        <pc:spChg chg="add">
-          <ac:chgData name="Mathew Warger" userId="d998528b88c810d3" providerId="LiveId" clId="{3FCB7495-1EB3-41F0-AFEE-45AE0B9506FE}" dt="2018-10-06T20:28:28.035" v="998" actId="26606"/>
-          <ac:spMkLst>
-            <pc:docMk/>
-            <pc:sldMk cId="1937002919" sldId="283"/>
-            <ac:spMk id="13" creationId="{34B53BE1-D2E2-4E46-987E-211A9D50027C}"/>
-          </ac:spMkLst>
-        </pc:spChg>
-        <pc:spChg chg="add">
-          <ac:chgData name="Mathew Warger" userId="d998528b88c810d3" providerId="LiveId" clId="{3FCB7495-1EB3-41F0-AFEE-45AE0B9506FE}" dt="2018-10-06T20:28:28.035" v="998" actId="26606"/>
-          <ac:spMkLst>
-            <pc:docMk/>
-            <pc:sldMk cId="1937002919" sldId="283"/>
-            <ac:spMk id="15" creationId="{FFB9713E-9F53-4A50-BDAA-CEB2A263BF55}"/>
-          </ac:spMkLst>
-        </pc:spChg>
-        <pc:graphicFrameChg chg="add mod">
-          <ac:chgData name="Mathew Warger" userId="d998528b88c810d3" providerId="LiveId" clId="{3FCB7495-1EB3-41F0-AFEE-45AE0B9506FE}" dt="2018-10-06T20:28:30.739" v="999" actId="20577"/>
-          <ac:graphicFrameMkLst>
-            <pc:docMk/>
-            <pc:sldMk cId="1937002919" sldId="283"/>
-            <ac:graphicFrameMk id="8" creationId="{5212DAB3-80AC-4620-9305-488C5B99617E}"/>
-          </ac:graphicFrameMkLst>
-        </pc:graphicFrameChg>
-      </pc:sldChg>
-      <pc:sldChg chg="addSp modSp mod setBg">
-        <pc:chgData name="Mathew Warger" userId="d998528b88c810d3" providerId="LiveId" clId="{3FCB7495-1EB3-41F0-AFEE-45AE0B9506FE}" dt="2018-10-06T20:26:04.301" v="977" actId="26606"/>
-        <pc:sldMkLst>
-          <pc:docMk/>
-          <pc:sldMk cId="87379699" sldId="284"/>
-        </pc:sldMkLst>
-        <pc:spChg chg="mod">
-          <ac:chgData name="Mathew Warger" userId="d998528b88c810d3" providerId="LiveId" clId="{3FCB7495-1EB3-41F0-AFEE-45AE0B9506FE}" dt="2018-10-06T20:26:04.301" v="977" actId="26606"/>
-          <ac:spMkLst>
-            <pc:docMk/>
-            <pc:sldMk cId="87379699" sldId="284"/>
-            <ac:spMk id="2" creationId="{D9B9925E-5A81-4126-946D-B4010D86C8EB}"/>
-          </ac:spMkLst>
-        </pc:spChg>
-        <pc:spChg chg="mod">
-          <ac:chgData name="Mathew Warger" userId="d998528b88c810d3" providerId="LiveId" clId="{3FCB7495-1EB3-41F0-AFEE-45AE0B9506FE}" dt="2018-10-06T20:26:04.301" v="977" actId="26606"/>
-          <ac:spMkLst>
-            <pc:docMk/>
-            <pc:sldMk cId="87379699" sldId="284"/>
-            <ac:spMk id="4" creationId="{1709ECF3-5B8D-4673-BB34-1DCD499364D5}"/>
-          </ac:spMkLst>
-        </pc:spChg>
-        <pc:spChg chg="add">
-          <ac:chgData name="Mathew Warger" userId="d998528b88c810d3" providerId="LiveId" clId="{3FCB7495-1EB3-41F0-AFEE-45AE0B9506FE}" dt="2018-10-06T20:26:04.301" v="977" actId="26606"/>
-          <ac:spMkLst>
-            <pc:docMk/>
-            <pc:sldMk cId="87379699" sldId="284"/>
-            <ac:spMk id="9" creationId="{499ECD84-C10C-4D8E-BBDC-48976DFE9806}"/>
-          </ac:spMkLst>
-        </pc:spChg>
-        <pc:spChg chg="add">
-          <ac:chgData name="Mathew Warger" userId="d998528b88c810d3" providerId="LiveId" clId="{3FCB7495-1EB3-41F0-AFEE-45AE0B9506FE}" dt="2018-10-06T20:26:04.301" v="977" actId="26606"/>
-          <ac:spMkLst>
-            <pc:docMk/>
-            <pc:sldMk cId="87379699" sldId="284"/>
-            <ac:spMk id="11" creationId="{ABC89463-D318-4EC4-8DC8-2A360E19460A}"/>
-          </ac:spMkLst>
-        </pc:spChg>
-      </pc:sldChg>
-      <pc:sldChg chg="modSp mod setBg">
-        <pc:chgData name="Mathew Warger" userId="d998528b88c810d3" providerId="LiveId" clId="{3FCB7495-1EB3-41F0-AFEE-45AE0B9506FE}" dt="2018-10-06T20:27:06.878" v="985" actId="404"/>
-        <pc:sldMkLst>
-          <pc:docMk/>
-          <pc:sldMk cId="3698419691" sldId="285"/>
-        </pc:sldMkLst>
-        <pc:spChg chg="mod">
-          <ac:chgData name="Mathew Warger" userId="d998528b88c810d3" providerId="LiveId" clId="{3FCB7495-1EB3-41F0-AFEE-45AE0B9506FE}" dt="2018-10-06T20:26:47.847" v="979" actId="26606"/>
-          <ac:spMkLst>
-            <pc:docMk/>
-            <pc:sldMk cId="3698419691" sldId="285"/>
-            <ac:spMk id="2" creationId="{BDD88F87-8CAB-40CB-BFE2-15E45A4C7024}"/>
-          </ac:spMkLst>
-        </pc:spChg>
-        <pc:spChg chg="mod">
-          <ac:chgData name="Mathew Warger" userId="d998528b88c810d3" providerId="LiveId" clId="{3FCB7495-1EB3-41F0-AFEE-45AE0B9506FE}" dt="2018-10-06T20:27:06.878" v="985" actId="404"/>
-          <ac:spMkLst>
-            <pc:docMk/>
-            <pc:sldMk cId="3698419691" sldId="285"/>
-            <ac:spMk id="4" creationId="{1709ECF3-5B8D-4673-BB34-1DCD499364D5}"/>
-          </ac:spMkLst>
-        </pc:spChg>
-      </pc:sldChg>
-      <pc:sldChg chg="modSp add ord">
-        <pc:chgData name="Mathew Warger" userId="d998528b88c810d3" providerId="LiveId" clId="{3FCB7495-1EB3-41F0-AFEE-45AE0B9506FE}" dt="2018-10-06T20:02:00.692" v="492"/>
-        <pc:sldMkLst>
-          <pc:docMk/>
-          <pc:sldMk cId="2051151865" sldId="286"/>
-        </pc:sldMkLst>
-        <pc:spChg chg="mod">
-          <ac:chgData name="Mathew Warger" userId="d998528b88c810d3" providerId="LiveId" clId="{3FCB7495-1EB3-41F0-AFEE-45AE0B9506FE}" dt="2018-10-06T19:59:02.728" v="377" actId="20577"/>
-          <ac:spMkLst>
-            <pc:docMk/>
-            <pc:sldMk cId="2051151865" sldId="286"/>
-            <ac:spMk id="5" creationId="{C434AB61-3FED-4263-B469-608520DE0AAB}"/>
-          </ac:spMkLst>
-        </pc:spChg>
-        <pc:spChg chg="mod">
-          <ac:chgData name="Mathew Warger" userId="d998528b88c810d3" providerId="LiveId" clId="{3FCB7495-1EB3-41F0-AFEE-45AE0B9506FE}" dt="2018-10-06T20:01:37.407" v="490" actId="27636"/>
-          <ac:spMkLst>
-            <pc:docMk/>
-            <pc:sldMk cId="2051151865" sldId="286"/>
-            <ac:spMk id="6" creationId="{D63C1A90-AC13-4666-8177-E31FB638B7DD}"/>
-          </ac:spMkLst>
-        </pc:spChg>
-        <pc:spChg chg="mod">
-          <ac:chgData name="Mathew Warger" userId="d998528b88c810d3" providerId="LiveId" clId="{3FCB7495-1EB3-41F0-AFEE-45AE0B9506FE}" dt="2018-10-06T20:01:37.416" v="491" actId="27636"/>
-          <ac:spMkLst>
-            <pc:docMk/>
-            <pc:sldMk cId="2051151865" sldId="286"/>
-            <ac:spMk id="7" creationId="{D39B885C-D46D-4748-9F91-DEAAC9163E96}"/>
-          </ac:spMkLst>
-        </pc:spChg>
-      </pc:sldChg>
-      <pc:sldChg chg="addSp modSp add">
-        <pc:chgData name="Mathew Warger" userId="d998528b88c810d3" providerId="LiveId" clId="{3FCB7495-1EB3-41F0-AFEE-45AE0B9506FE}" dt="2018-10-06T20:15:13.260" v="945" actId="20577"/>
-        <pc:sldMkLst>
-          <pc:docMk/>
-          <pc:sldMk cId="1720247445" sldId="287"/>
-        </pc:sldMkLst>
-        <pc:spChg chg="mod">
-          <ac:chgData name="Mathew Warger" userId="d998528b88c810d3" providerId="LiveId" clId="{3FCB7495-1EB3-41F0-AFEE-45AE0B9506FE}" dt="2018-10-06T20:13:41.508" v="868" actId="6549"/>
-          <ac:spMkLst>
-            <pc:docMk/>
-            <pc:sldMk cId="1720247445" sldId="287"/>
-            <ac:spMk id="2" creationId="{9A9B0E71-1401-4A15-B130-D363BE0C723A}"/>
-          </ac:spMkLst>
-        </pc:spChg>
-        <pc:spChg chg="mod">
-          <ac:chgData name="Mathew Warger" userId="d998528b88c810d3" providerId="LiveId" clId="{3FCB7495-1EB3-41F0-AFEE-45AE0B9506FE}" dt="2018-10-06T20:15:13.260" v="945" actId="20577"/>
-          <ac:spMkLst>
-            <pc:docMk/>
-            <pc:sldMk cId="1720247445" sldId="287"/>
-            <ac:spMk id="3" creationId="{3561494B-95AB-4A66-9064-51F4D1FA5846}"/>
-          </ac:spMkLst>
-        </pc:spChg>
-        <pc:spChg chg="add mod">
-          <ac:chgData name="Mathew Warger" userId="d998528b88c810d3" providerId="LiveId" clId="{3FCB7495-1EB3-41F0-AFEE-45AE0B9506FE}" dt="2018-10-06T20:14:52.129" v="927"/>
-          <ac:spMkLst>
-            <pc:docMk/>
-            <pc:sldMk cId="1720247445" sldId="287"/>
-            <ac:spMk id="5" creationId="{69C7AB44-3989-4B19-B241-B19065C1E36A}"/>
-          </ac:spMkLst>
-        </pc:spChg>
-      </pc:sldChg>
-      <pc:sldChg chg="add ord">
-        <pc:chgData name="Mathew Warger" userId="d998528b88c810d3" providerId="LiveId" clId="{3FCB7495-1EB3-41F0-AFEE-45AE0B9506FE}" dt="2018-10-08T01:12:26.816" v="1002"/>
-        <pc:sldMkLst>
-          <pc:docMk/>
-          <pc:sldMk cId="2245526147" sldId="288"/>
-        </pc:sldMkLst>
-      </pc:sldChg>
-    </pc:docChg>
-  </pc:docChgLst>
-</pc:chgInfo>
 </file>
 
 <file path=ppt/diagrams/colors1.xml><?xml version="1.0" encoding="utf-8"?>
@@ -32284,7 +31634,7 @@
           <a:p>
             <a:fld id="{6CB643A0-1636-4C95-BC41-D8288894C820}" type="datetimeFigureOut">
               <a:rPr lang="en-US" smtClean="0"/>
-              <a:t>10/9/2018</a:t>
+              <a:t>10/10/2018</a:t>
             </a:fld>
             <a:endParaRPr lang="en-US"/>
           </a:p>
@@ -32652,7 +32002,7 @@
           <a:p>
             <a:fld id="{5F23CBEE-26C4-479C-A907-908CF9D33E15}" type="slidenum">
               <a:rPr lang="en-US" smtClean="0"/>
-              <a:t>7</a:t>
+              <a:t>6</a:t>
             </a:fld>
             <a:endParaRPr lang="en-US"/>
           </a:p>
@@ -32736,7 +32086,7 @@
           <a:p>
             <a:fld id="{5F23CBEE-26C4-479C-A907-908CF9D33E15}" type="slidenum">
               <a:rPr lang="en-US" smtClean="0"/>
-              <a:t>24</a:t>
+              <a:t>23</a:t>
             </a:fld>
             <a:endParaRPr lang="en-US"/>
           </a:p>
@@ -32918,7 +32268,7 @@
           <a:p>
             <a:fld id="{E8CF0F27-2820-4D44-B07A-3B8AB16A4E73}" type="datetime1">
               <a:rPr lang="en-US" smtClean="0"/>
-              <a:t>10/9/2018</a:t>
+              <a:t>10/10/2018</a:t>
             </a:fld>
             <a:endParaRPr lang="en-US"/>
           </a:p>
@@ -33091,7 +32441,7 @@
           <a:p>
             <a:fld id="{6DC5E159-05E1-485F-91B3-B02D852054C0}" type="datetime1">
               <a:rPr lang="en-US" smtClean="0"/>
-              <a:t>10/9/2018</a:t>
+              <a:t>10/10/2018</a:t>
             </a:fld>
             <a:endParaRPr lang="en-US"/>
           </a:p>
@@ -33274,7 +32624,7 @@
           <a:p>
             <a:fld id="{EB473933-9E55-4488-B235-69C161DE20B7}" type="datetime1">
               <a:rPr lang="en-US" smtClean="0"/>
-              <a:t>10/9/2018</a:t>
+              <a:t>10/10/2018</a:t>
             </a:fld>
             <a:endParaRPr lang="en-US"/>
           </a:p>
@@ -33447,7 +32797,7 @@
           <a:p>
             <a:fld id="{3A8003C2-A3C9-4EDB-B63D-7A3651C1F50E}" type="datetime1">
               <a:rPr lang="en-US" smtClean="0"/>
-              <a:t>10/9/2018</a:t>
+              <a:t>10/10/2018</a:t>
             </a:fld>
             <a:endParaRPr lang="en-US"/>
           </a:p>
@@ -33722,7 +33072,7 @@
           <a:p>
             <a:fld id="{3E0048DC-8D8B-449B-BBDB-72A3A2DA3BD9}" type="datetime1">
               <a:rPr lang="en-US" smtClean="0"/>
-              <a:t>10/9/2018</a:t>
+              <a:t>10/10/2018</a:t>
             </a:fld>
             <a:endParaRPr lang="en-US"/>
           </a:p>
@@ -33961,7 +33311,7 @@
           <a:p>
             <a:fld id="{A48DF7CB-0B35-460E-A8C8-780B72B0F8E6}" type="datetime1">
               <a:rPr lang="en-US" smtClean="0"/>
-              <a:t>10/9/2018</a:t>
+              <a:t>10/10/2018</a:t>
             </a:fld>
             <a:endParaRPr lang="en-US"/>
           </a:p>
@@ -34323,7 +33673,7 @@
           <a:p>
             <a:fld id="{C4D99FA2-9E68-4B2A-9AD6-4083F9FC93D1}" type="datetime1">
               <a:rPr lang="en-US" smtClean="0"/>
-              <a:t>10/9/2018</a:t>
+              <a:t>10/10/2018</a:t>
             </a:fld>
             <a:endParaRPr lang="en-US"/>
           </a:p>
@@ -34471,7 +33821,7 @@
           <a:p>
             <a:fld id="{3CBC61F2-EE96-4139-BCD2-92295374CA02}" type="datetime1">
               <a:rPr lang="en-US" smtClean="0"/>
-              <a:t>10/9/2018</a:t>
+              <a:t>10/10/2018</a:t>
             </a:fld>
             <a:endParaRPr lang="en-US"/>
           </a:p>
@@ -34569,7 +33919,7 @@
           <a:p>
             <a:fld id="{1ABE5EB0-4DB7-4D82-8475-D533CB05F88B}" type="datetime1">
               <a:rPr lang="en-US" smtClean="0"/>
-              <a:t>10/9/2018</a:t>
+              <a:t>10/10/2018</a:t>
             </a:fld>
             <a:endParaRPr lang="en-US"/>
           </a:p>
@@ -34929,7 +34279,7 @@
           <a:p>
             <a:fld id="{A53307A1-3213-49D4-9156-B0108AB80059}" type="datetime1">
               <a:rPr lang="en-US" smtClean="0"/>
-              <a:t>10/9/2018</a:t>
+              <a:t>10/10/2018</a:t>
             </a:fld>
             <a:endParaRPr lang="en-US"/>
           </a:p>
@@ -35288,7 +34638,7 @@
           <a:p>
             <a:fld id="{DF0F4367-FB69-4B9B-B33B-9A4873C17B76}" type="datetime1">
               <a:rPr lang="en-US" smtClean="0"/>
-              <a:t>10/9/2018</a:t>
+              <a:t>10/10/2018</a:t>
             </a:fld>
             <a:endParaRPr lang="en-US"/>
           </a:p>
@@ -35530,7 +34880,7 @@
           <a:p>
             <a:fld id="{8604AB9F-0848-4286-A2B0-FFEE87347030}" type="datetime1">
               <a:rPr lang="en-US" smtClean="0"/>
-              <a:t>10/9/2018</a:t>
+              <a:t>10/10/2018</a:t>
             </a:fld>
             <a:endParaRPr lang="en-US"/>
           </a:p>
@@ -36085,199 +35435,6 @@
       </p:grpSpPr>
       <p:sp>
         <p:nvSpPr>
-          <p:cNvPr id="15" name="Rectangle 10">
-            <a:extLst>
-              <a:ext uri="{FF2B5EF4-FFF2-40B4-BE49-F238E27FC236}">
-                <a16:creationId xmlns:a16="http://schemas.microsoft.com/office/drawing/2014/main" id="{760961B7-C858-4B97-B561-DB0E1342F107}"/>
-              </a:ext>
-              <a:ext uri="{C183D7F6-B498-43B3-948B-1728B52AA6E4}">
-                <adec:decorative xmlns:adec="http://schemas.microsoft.com/office/drawing/2017/decorative" val="1"/>
-              </a:ext>
-            </a:extLst>
-          </p:cNvPr>
-          <p:cNvSpPr>
-            <a:spLocks noGrp="1" noRot="1" noChangeAspect="1" noMove="1" noResize="1" noEditPoints="1" noAdjustHandles="1" noChangeArrowheads="1" noChangeShapeType="1" noTextEdit="1"/>
-          </p:cNvSpPr>
-          <p:nvPr>
-            <p:extLst>
-              <p:ext uri="{386F3935-93C4-4BCD-93E2-E3B085C9AB24}">
-                <p16:designElem xmlns:p16="http://schemas.microsoft.com/office/powerpoint/2015/main" val="1"/>
-              </p:ext>
-            </p:extLst>
-          </p:nvPr>
-        </p:nvSpPr>
-        <p:spPr>
-          <a:xfrm>
-            <a:off x="6101406" y="0"/>
-            <a:ext cx="6096000" cy="6858000"/>
-          </a:xfrm>
-          <a:prstGeom prst="rect">
-            <a:avLst/>
-          </a:prstGeom>
-          <a:solidFill>
-            <a:schemeClr val="accent1"/>
-          </a:solidFill>
-          <a:ln>
-            <a:noFill/>
-          </a:ln>
-        </p:spPr>
-        <p:style>
-          <a:lnRef idx="2">
-            <a:schemeClr val="accent1">
-              <a:shade val="50000"/>
-            </a:schemeClr>
-          </a:lnRef>
-          <a:fillRef idx="1">
-            <a:schemeClr val="accent1"/>
-          </a:fillRef>
-          <a:effectRef idx="0">
-            <a:schemeClr val="accent1"/>
-          </a:effectRef>
-          <a:fontRef idx="minor">
-            <a:schemeClr val="lt1"/>
-          </a:fontRef>
-        </p:style>
-        <p:txBody>
-          <a:bodyPr rtlCol="0" anchor="ctr"/>
-          <a:lstStyle/>
-          <a:p>
-            <a:pPr algn="ctr"/>
-            <a:endParaRPr lang="en-US"/>
-          </a:p>
-        </p:txBody>
-      </p:sp>
-      <p:sp>
-        <p:nvSpPr>
-          <p:cNvPr id="4" name="Title 3">
-            <a:extLst>
-              <a:ext uri="{FF2B5EF4-FFF2-40B4-BE49-F238E27FC236}">
-                <a16:creationId xmlns:a16="http://schemas.microsoft.com/office/drawing/2014/main" id="{1709ECF3-5B8D-4673-BB34-1DCD499364D5}"/>
-              </a:ext>
-            </a:extLst>
-          </p:cNvPr>
-          <p:cNvSpPr>
-            <a:spLocks noGrp="1"/>
-          </p:cNvSpPr>
-          <p:nvPr>
-            <p:ph type="title"/>
-          </p:nvPr>
-        </p:nvSpPr>
-        <p:spPr>
-          <a:xfrm>
-            <a:off x="1752600" y="2542605"/>
-            <a:ext cx="8686800" cy="1772793"/>
-          </a:xfrm>
-          <a:solidFill>
-            <a:srgbClr val="FFFFFF"/>
-          </a:solidFill>
-          <a:ln>
-            <a:solidFill>
-              <a:srgbClr val="404040"/>
-            </a:solidFill>
-          </a:ln>
-        </p:spPr>
-        <p:txBody>
-          <a:bodyPr vert="horz" wrap="square" lIns="182880" tIns="182880" rIns="182880" bIns="182880" rtlCol="0" anchor="ctr">
-            <a:normAutofit/>
-          </a:bodyPr>
-          <a:lstStyle/>
-          <a:p>
-            <a:r>
-              <a:rPr lang="en-US" sz="3400" dirty="0"/>
-              <a:t>fetching lists with rest is verbose and/or tedious and/or mysterious</a:t>
-            </a:r>
-          </a:p>
-        </p:txBody>
-      </p:sp>
-      <p:sp>
-        <p:nvSpPr>
-          <p:cNvPr id="6" name="Footer Placeholder 5">
-            <a:extLst>
-              <a:ext uri="{FF2B5EF4-FFF2-40B4-BE49-F238E27FC236}">
-                <a16:creationId xmlns:a16="http://schemas.microsoft.com/office/drawing/2014/main" id="{25C3FF36-D1CB-4211-B5B6-BCE3441E14DA}"/>
-              </a:ext>
-            </a:extLst>
-          </p:cNvPr>
-          <p:cNvSpPr>
-            <a:spLocks noGrp="1"/>
-          </p:cNvSpPr>
-          <p:nvPr>
-            <p:ph type="ftr" sz="quarter" idx="11"/>
-          </p:nvPr>
-        </p:nvSpPr>
-        <p:spPr>
-          <a:xfrm>
-            <a:off x="1600200" y="6236208"/>
-            <a:ext cx="5901189" cy="320040"/>
-          </a:xfrm>
-        </p:spPr>
-        <p:txBody>
-          <a:bodyPr vert="horz" lIns="91440" tIns="45720" rIns="91440" bIns="45720" rtlCol="0" anchor="ctr">
-            <a:normAutofit/>
-          </a:bodyPr>
-          <a:lstStyle/>
-          <a:p>
-            <a:pPr>
-              <a:spcAft>
-                <a:spcPts val="600"/>
-              </a:spcAft>
-            </a:pPr>
-            <a:r>
-              <a:rPr lang="en-US" sz="1050" kern="1200">
-                <a:solidFill>
-                  <a:schemeClr val="tx1">
-                    <a:alpha val="70000"/>
-                  </a:schemeClr>
-                </a:solidFill>
-                <a:latin typeface="+mn-lt"/>
-                <a:ea typeface="+mn-ea"/>
-                <a:cs typeface="+mn-cs"/>
-              </a:rPr>
-              <a:t>Twitter: @mwarger - Walkthrough: http://bit.ly/graphqlappsyncarticle</a:t>
-            </a:r>
-          </a:p>
-        </p:txBody>
-      </p:sp>
-    </p:spTree>
-    <p:extLst>
-      <p:ext uri="{BB962C8B-B14F-4D97-AF65-F5344CB8AC3E}">
-        <p14:creationId xmlns:p14="http://schemas.microsoft.com/office/powerpoint/2010/main" val="1598587981"/>
-      </p:ext>
-    </p:extLst>
-  </p:cSld>
-  <p:clrMapOvr>
-    <a:masterClrMapping/>
-  </p:clrMapOvr>
-</p:sld>
-</file>
-
-<file path=ppt/slides/slide11.xml><?xml version="1.0" encoding="utf-8"?>
-<p:sld xmlns:a="http://schemas.openxmlformats.org/drawingml/2006/main" xmlns:r="http://schemas.openxmlformats.org/officeDocument/2006/relationships" xmlns:p="http://schemas.openxmlformats.org/presentationml/2006/main">
-  <p:cSld>
-    <p:bg>
-      <p:bgPr>
-        <a:solidFill>
-          <a:schemeClr val="bg2"/>
-        </a:solidFill>
-        <a:effectLst/>
-      </p:bgPr>
-    </p:bg>
-    <p:spTree>
-      <p:nvGrpSpPr>
-        <p:cNvPr id="1" name=""/>
-        <p:cNvGrpSpPr/>
-        <p:nvPr/>
-      </p:nvGrpSpPr>
-      <p:grpSpPr>
-        <a:xfrm>
-          <a:off x="0" y="0"/>
-          <a:ext cx="0" cy="0"/>
-          <a:chOff x="0" y="0"/>
-          <a:chExt cx="0" cy="0"/>
-        </a:xfrm>
-      </p:grpSpPr>
-      <p:sp>
-        <p:nvSpPr>
           <p:cNvPr id="9" name="Rectangle 8">
             <a:extLst>
               <a:ext uri="{FF2B5EF4-FFF2-40B4-BE49-F238E27FC236}">
@@ -36508,7 +35665,7 @@
 </p:sld>
 </file>
 
-<file path=ppt/slides/slide12.xml><?xml version="1.0" encoding="utf-8"?>
+<file path=ppt/slides/slide11.xml><?xml version="1.0" encoding="utf-8"?>
 <p:sld xmlns:a="http://schemas.openxmlformats.org/drawingml/2006/main" xmlns:r="http://schemas.openxmlformats.org/officeDocument/2006/relationships" xmlns:p="http://schemas.openxmlformats.org/presentationml/2006/main">
   <p:cSld>
     <p:bg>
@@ -36765,7 +35922,7 @@
 </p:sld>
 </file>
 
-<file path=ppt/slides/slide13.xml><?xml version="1.0" encoding="utf-8"?>
+<file path=ppt/slides/slide12.xml><?xml version="1.0" encoding="utf-8"?>
 <p:sld xmlns:a="http://schemas.openxmlformats.org/drawingml/2006/main" xmlns:r="http://schemas.openxmlformats.org/officeDocument/2006/relationships" xmlns:p="http://schemas.openxmlformats.org/presentationml/2006/main">
   <p:cSld>
     <p:bg>
@@ -37022,7 +36179,7 @@
 </p:sld>
 </file>
 
-<file path=ppt/slides/slide14.xml><?xml version="1.0" encoding="utf-8"?>
+<file path=ppt/slides/slide13.xml><?xml version="1.0" encoding="utf-8"?>
 <p:sld xmlns:a="http://schemas.openxmlformats.org/drawingml/2006/main" xmlns:r="http://schemas.openxmlformats.org/officeDocument/2006/relationships" xmlns:p="http://schemas.openxmlformats.org/presentationml/2006/main">
   <p:cSld>
     <p:bg>
@@ -37279,7 +36436,7 @@
 </p:sld>
 </file>
 
-<file path=ppt/slides/slide15.xml><?xml version="1.0" encoding="utf-8"?>
+<file path=ppt/slides/slide14.xml><?xml version="1.0" encoding="utf-8"?>
 <p:sld xmlns:a="http://schemas.openxmlformats.org/drawingml/2006/main" xmlns:r="http://schemas.openxmlformats.org/officeDocument/2006/relationships" xmlns:p="http://schemas.openxmlformats.org/presentationml/2006/main">
   <p:cSld>
     <p:bg>
@@ -37426,7 +36583,7 @@
 </p:sld>
 </file>
 
-<file path=ppt/slides/slide16.xml><?xml version="1.0" encoding="utf-8"?>
+<file path=ppt/slides/slide15.xml><?xml version="1.0" encoding="utf-8"?>
 <p:sld xmlns:a="http://schemas.openxmlformats.org/drawingml/2006/main" xmlns:r="http://schemas.openxmlformats.org/officeDocument/2006/relationships" xmlns:p="http://schemas.openxmlformats.org/presentationml/2006/main">
   <p:cSld>
     <p:bg>
@@ -37572,7 +36729,7 @@
 </p:sld>
 </file>
 
-<file path=ppt/slides/slide17.xml><?xml version="1.0" encoding="utf-8"?>
+<file path=ppt/slides/slide16.xml><?xml version="1.0" encoding="utf-8"?>
 <p:sld xmlns:a="http://schemas.openxmlformats.org/drawingml/2006/main" xmlns:r="http://schemas.openxmlformats.org/officeDocument/2006/relationships" xmlns:p="http://schemas.openxmlformats.org/presentationml/2006/main">
   <p:cSld>
     <p:bg>
@@ -37720,7 +36877,7 @@
 </p:sld>
 </file>
 
-<file path=ppt/slides/slide18.xml><?xml version="1.0" encoding="utf-8"?>
+<file path=ppt/slides/slide17.xml><?xml version="1.0" encoding="utf-8"?>
 <p:sld xmlns:a="http://schemas.openxmlformats.org/drawingml/2006/main" xmlns:r="http://schemas.openxmlformats.org/officeDocument/2006/relationships" xmlns:p="http://schemas.openxmlformats.org/presentationml/2006/main">
   <p:cSld>
     <p:bg>
@@ -37860,7 +37017,7 @@
 </p:sld>
 </file>
 
-<file path=ppt/slides/slide19.xml><?xml version="1.0" encoding="utf-8"?>
+<file path=ppt/slides/slide18.xml><?xml version="1.0" encoding="utf-8"?>
 <p:sld xmlns:a="http://schemas.openxmlformats.org/drawingml/2006/main" xmlns:r="http://schemas.openxmlformats.org/officeDocument/2006/relationships" xmlns:p="http://schemas.openxmlformats.org/presentationml/2006/main">
   <p:cSld>
     <p:bg>
@@ -38007,6 +37164,157 @@
     <p:extLst>
       <p:ext uri="{BB962C8B-B14F-4D97-AF65-F5344CB8AC3E}">
         <p14:creationId xmlns:p14="http://schemas.microsoft.com/office/powerpoint/2010/main" val="1275141045"/>
+      </p:ext>
+    </p:extLst>
+  </p:cSld>
+  <p:clrMapOvr>
+    <a:masterClrMapping/>
+  </p:clrMapOvr>
+</p:sld>
+</file>
+
+<file path=ppt/slides/slide19.xml><?xml version="1.0" encoding="utf-8"?>
+<p:sld xmlns:a="http://schemas.openxmlformats.org/drawingml/2006/main" xmlns:r="http://schemas.openxmlformats.org/officeDocument/2006/relationships" xmlns:p="http://schemas.openxmlformats.org/presentationml/2006/main">
+  <p:cSld>
+    <p:bg>
+      <p:bgPr>
+        <a:solidFill>
+          <a:schemeClr val="bg2"/>
+        </a:solidFill>
+        <a:effectLst/>
+      </p:bgPr>
+    </p:bg>
+    <p:spTree>
+      <p:nvGrpSpPr>
+        <p:cNvPr id="1" name=""/>
+        <p:cNvGrpSpPr/>
+        <p:nvPr/>
+      </p:nvGrpSpPr>
+      <p:grpSpPr>
+        <a:xfrm>
+          <a:off x="0" y="0"/>
+          <a:ext cx="0" cy="0"/>
+          <a:chOff x="0" y="0"/>
+          <a:chExt cx="0" cy="0"/>
+        </a:xfrm>
+      </p:grpSpPr>
+      <p:sp>
+        <p:nvSpPr>
+          <p:cNvPr id="4" name="Title 3">
+            <a:extLst>
+              <a:ext uri="{FF2B5EF4-FFF2-40B4-BE49-F238E27FC236}">
+                <a16:creationId xmlns:a16="http://schemas.microsoft.com/office/drawing/2014/main" id="{1709ECF3-5B8D-4673-BB34-1DCD499364D5}"/>
+              </a:ext>
+            </a:extLst>
+          </p:cNvPr>
+          <p:cNvSpPr>
+            <a:spLocks noGrp="1"/>
+          </p:cNvSpPr>
+          <p:nvPr>
+            <p:ph type="title"/>
+          </p:nvPr>
+        </p:nvSpPr>
+        <p:spPr>
+          <a:xfrm>
+            <a:off x="1524000" y="2634938"/>
+            <a:ext cx="9144000" cy="1588127"/>
+          </a:xfrm>
+          <a:solidFill>
+            <a:srgbClr val="FFFFFF"/>
+          </a:solidFill>
+          <a:ln w="279400" cap="sq" cmpd="thinThick">
+            <a:solidFill>
+              <a:srgbClr val="FFFFFF"/>
+            </a:solidFill>
+            <a:miter lim="800000"/>
+          </a:ln>
+        </p:spPr>
+        <p:txBody>
+          <a:bodyPr vert="horz" lIns="182880" tIns="182880" rIns="182880" bIns="182880" rtlCol="0" anchor="ctr">
+            <a:normAutofit/>
+          </a:bodyPr>
+          <a:lstStyle/>
+          <a:p>
+            <a:r>
+              <a:rPr lang="en-US" sz="4400" dirty="0">
+                <a:solidFill>
+                  <a:srgbClr val="262626"/>
+                </a:solidFill>
+              </a:rPr>
+              <a:t>Conventions </a:t>
+            </a:r>
+            <a:r>
+              <a:rPr lang="en-US" dirty="0">
+                <a:solidFill>
+                  <a:srgbClr val="262626"/>
+                </a:solidFill>
+              </a:rPr>
+              <a:t>vs</a:t>
+            </a:r>
+            <a:r>
+              <a:rPr lang="en-US" sz="4400" dirty="0">
+                <a:solidFill>
+                  <a:srgbClr val="262626"/>
+                </a:solidFill>
+              </a:rPr>
+              <a:t> flexibility</a:t>
+            </a:r>
+          </a:p>
+        </p:txBody>
+      </p:sp>
+      <p:sp>
+        <p:nvSpPr>
+          <p:cNvPr id="2" name="Footer Placeholder 1">
+            <a:extLst>
+              <a:ext uri="{FF2B5EF4-FFF2-40B4-BE49-F238E27FC236}">
+                <a16:creationId xmlns:a16="http://schemas.microsoft.com/office/drawing/2014/main" id="{BDD88F87-8CAB-40CB-BFE2-15E45A4C7024}"/>
+              </a:ext>
+            </a:extLst>
+          </p:cNvPr>
+          <p:cNvSpPr>
+            <a:spLocks noGrp="1"/>
+          </p:cNvSpPr>
+          <p:nvPr>
+            <p:ph type="ftr" sz="quarter" idx="11"/>
+          </p:nvPr>
+        </p:nvSpPr>
+        <p:spPr>
+          <a:xfrm>
+            <a:off x="1600200" y="6236208"/>
+            <a:ext cx="5901189" cy="320040"/>
+          </a:xfrm>
+        </p:spPr>
+        <p:txBody>
+          <a:bodyPr vert="horz" lIns="91440" tIns="45720" rIns="91440" bIns="45720" rtlCol="0" anchor="ctr">
+            <a:normAutofit/>
+          </a:bodyPr>
+          <a:lstStyle/>
+          <a:p>
+            <a:pPr>
+              <a:spcAft>
+                <a:spcPts val="600"/>
+              </a:spcAft>
+            </a:pPr>
+            <a:r>
+              <a:rPr lang="en-US" sz="1050" kern="1200">
+                <a:solidFill>
+                  <a:schemeClr val="tx1">
+                    <a:alpha val="70000"/>
+                  </a:schemeClr>
+                </a:solidFill>
+                <a:latin typeface="+mn-lt"/>
+                <a:ea typeface="+mn-ea"/>
+                <a:cs typeface="+mn-cs"/>
+              </a:rPr>
+              <a:t>Twitter: @mwarger - Walkthrough: http://bit.ly/graphqlappsyncarticle</a:t>
+            </a:r>
+          </a:p>
+        </p:txBody>
+      </p:sp>
+    </p:spTree>
+    <p:extLst>
+      <p:ext uri="{BB962C8B-B14F-4D97-AF65-F5344CB8AC3E}">
+        <p14:creationId xmlns:p14="http://schemas.microsoft.com/office/powerpoint/2010/main" val="3698419691"/>
       </p:ext>
     </p:extLst>
   </p:cSld>
@@ -39763,157 +39071,6 @@
           <a:lstStyle/>
           <a:p>
             <a:r>
-              <a:rPr lang="en-US" sz="4400" dirty="0">
-                <a:solidFill>
-                  <a:srgbClr val="262626"/>
-                </a:solidFill>
-              </a:rPr>
-              <a:t>Conventions </a:t>
-            </a:r>
-            <a:r>
-              <a:rPr lang="en-US" dirty="0">
-                <a:solidFill>
-                  <a:srgbClr val="262626"/>
-                </a:solidFill>
-              </a:rPr>
-              <a:t>vs</a:t>
-            </a:r>
-            <a:r>
-              <a:rPr lang="en-US" sz="4400" dirty="0">
-                <a:solidFill>
-                  <a:srgbClr val="262626"/>
-                </a:solidFill>
-              </a:rPr>
-              <a:t> flexibility</a:t>
-            </a:r>
-          </a:p>
-        </p:txBody>
-      </p:sp>
-      <p:sp>
-        <p:nvSpPr>
-          <p:cNvPr id="2" name="Footer Placeholder 1">
-            <a:extLst>
-              <a:ext uri="{FF2B5EF4-FFF2-40B4-BE49-F238E27FC236}">
-                <a16:creationId xmlns:a16="http://schemas.microsoft.com/office/drawing/2014/main" id="{BDD88F87-8CAB-40CB-BFE2-15E45A4C7024}"/>
-              </a:ext>
-            </a:extLst>
-          </p:cNvPr>
-          <p:cNvSpPr>
-            <a:spLocks noGrp="1"/>
-          </p:cNvSpPr>
-          <p:nvPr>
-            <p:ph type="ftr" sz="quarter" idx="11"/>
-          </p:nvPr>
-        </p:nvSpPr>
-        <p:spPr>
-          <a:xfrm>
-            <a:off x="1600200" y="6236208"/>
-            <a:ext cx="5901189" cy="320040"/>
-          </a:xfrm>
-        </p:spPr>
-        <p:txBody>
-          <a:bodyPr vert="horz" lIns="91440" tIns="45720" rIns="91440" bIns="45720" rtlCol="0" anchor="ctr">
-            <a:normAutofit/>
-          </a:bodyPr>
-          <a:lstStyle/>
-          <a:p>
-            <a:pPr>
-              <a:spcAft>
-                <a:spcPts val="600"/>
-              </a:spcAft>
-            </a:pPr>
-            <a:r>
-              <a:rPr lang="en-US" sz="1050" kern="1200">
-                <a:solidFill>
-                  <a:schemeClr val="tx1">
-                    <a:alpha val="70000"/>
-                  </a:schemeClr>
-                </a:solidFill>
-                <a:latin typeface="+mn-lt"/>
-                <a:ea typeface="+mn-ea"/>
-                <a:cs typeface="+mn-cs"/>
-              </a:rPr>
-              <a:t>Twitter: @mwarger - Walkthrough: http://bit.ly/graphqlappsyncarticle</a:t>
-            </a:r>
-          </a:p>
-        </p:txBody>
-      </p:sp>
-    </p:spTree>
-    <p:extLst>
-      <p:ext uri="{BB962C8B-B14F-4D97-AF65-F5344CB8AC3E}">
-        <p14:creationId xmlns:p14="http://schemas.microsoft.com/office/powerpoint/2010/main" val="3698419691"/>
-      </p:ext>
-    </p:extLst>
-  </p:cSld>
-  <p:clrMapOvr>
-    <a:masterClrMapping/>
-  </p:clrMapOvr>
-</p:sld>
-</file>
-
-<file path=ppt/slides/slide21.xml><?xml version="1.0" encoding="utf-8"?>
-<p:sld xmlns:a="http://schemas.openxmlformats.org/drawingml/2006/main" xmlns:r="http://schemas.openxmlformats.org/officeDocument/2006/relationships" xmlns:p="http://schemas.openxmlformats.org/presentationml/2006/main">
-  <p:cSld>
-    <p:bg>
-      <p:bgPr>
-        <a:solidFill>
-          <a:schemeClr val="bg2"/>
-        </a:solidFill>
-        <a:effectLst/>
-      </p:bgPr>
-    </p:bg>
-    <p:spTree>
-      <p:nvGrpSpPr>
-        <p:cNvPr id="1" name=""/>
-        <p:cNvGrpSpPr/>
-        <p:nvPr/>
-      </p:nvGrpSpPr>
-      <p:grpSpPr>
-        <a:xfrm>
-          <a:off x="0" y="0"/>
-          <a:ext cx="0" cy="0"/>
-          <a:chOff x="0" y="0"/>
-          <a:chExt cx="0" cy="0"/>
-        </a:xfrm>
-      </p:grpSpPr>
-      <p:sp>
-        <p:nvSpPr>
-          <p:cNvPr id="4" name="Title 3">
-            <a:extLst>
-              <a:ext uri="{FF2B5EF4-FFF2-40B4-BE49-F238E27FC236}">
-                <a16:creationId xmlns:a16="http://schemas.microsoft.com/office/drawing/2014/main" id="{1709ECF3-5B8D-4673-BB34-1DCD499364D5}"/>
-              </a:ext>
-            </a:extLst>
-          </p:cNvPr>
-          <p:cNvSpPr>
-            <a:spLocks noGrp="1"/>
-          </p:cNvSpPr>
-          <p:nvPr>
-            <p:ph type="title"/>
-          </p:nvPr>
-        </p:nvSpPr>
-        <p:spPr>
-          <a:xfrm>
-            <a:off x="1524000" y="2634938"/>
-            <a:ext cx="9144000" cy="1588127"/>
-          </a:xfrm>
-          <a:solidFill>
-            <a:srgbClr val="FFFFFF"/>
-          </a:solidFill>
-          <a:ln w="279400" cap="sq" cmpd="thinThick">
-            <a:solidFill>
-              <a:srgbClr val="FFFFFF"/>
-            </a:solidFill>
-            <a:miter lim="800000"/>
-          </a:ln>
-        </p:spPr>
-        <p:txBody>
-          <a:bodyPr vert="horz" lIns="182880" tIns="182880" rIns="182880" bIns="182880" rtlCol="0" anchor="ctr">
-            <a:normAutofit/>
-          </a:bodyPr>
-          <a:lstStyle/>
-          <a:p>
-            <a:r>
               <a:rPr lang="en-US" sz="4100" dirty="0">
                 <a:solidFill>
                   <a:srgbClr val="262626"/>
@@ -40015,7 +39172,7 @@
 </p:sld>
 </file>
 
-<file path=ppt/slides/slide22.xml><?xml version="1.0" encoding="utf-8"?>
+<file path=ppt/slides/slide21.xml><?xml version="1.0" encoding="utf-8"?>
 <p:sld xmlns:a="http://schemas.openxmlformats.org/drawingml/2006/main" xmlns:r="http://schemas.openxmlformats.org/officeDocument/2006/relationships" xmlns:p="http://schemas.openxmlformats.org/presentationml/2006/main">
   <p:cSld>
     <p:spTree>
@@ -40154,7 +39311,7 @@
 </p:sld>
 </file>
 
-<file path=ppt/slides/slide23.xml><?xml version="1.0" encoding="utf-8"?>
+<file path=ppt/slides/slide22.xml><?xml version="1.0" encoding="utf-8"?>
 <p:sld xmlns:a="http://schemas.openxmlformats.org/drawingml/2006/main" xmlns:r="http://schemas.openxmlformats.org/officeDocument/2006/relationships" xmlns:p="http://schemas.openxmlformats.org/presentationml/2006/main">
   <p:cSld>
     <p:bg>
@@ -40298,7 +39455,7 @@
 </p:sld>
 </file>
 
-<file path=ppt/slides/slide24.xml><?xml version="1.0" encoding="utf-8"?>
+<file path=ppt/slides/slide23.xml><?xml version="1.0" encoding="utf-8"?>
 <p:sld xmlns:a="http://schemas.openxmlformats.org/drawingml/2006/main" xmlns:r="http://schemas.openxmlformats.org/officeDocument/2006/relationships" xmlns:p="http://schemas.openxmlformats.org/presentationml/2006/main">
   <p:cSld>
     <p:bg>
@@ -40578,7 +39735,7 @@
 </p:sld>
 </file>
 
-<file path=ppt/slides/slide25.xml><?xml version="1.0" encoding="utf-8"?>
+<file path=ppt/slides/slide24.xml><?xml version="1.0" encoding="utf-8"?>
 <p:sld xmlns:a="http://schemas.openxmlformats.org/drawingml/2006/main" xmlns:r="http://schemas.openxmlformats.org/officeDocument/2006/relationships" xmlns:p="http://schemas.openxmlformats.org/presentationml/2006/main">
   <p:cSld>
     <p:spTree>
@@ -40909,7 +40066,7 @@
 </p:sld>
 </file>
 
-<file path=ppt/slides/slide26.xml><?xml version="1.0" encoding="utf-8"?>
+<file path=ppt/slides/slide25.xml><?xml version="1.0" encoding="utf-8"?>
 <p:sld xmlns:a="http://schemas.openxmlformats.org/drawingml/2006/main" xmlns:r="http://schemas.openxmlformats.org/officeDocument/2006/relationships" xmlns:p="http://schemas.openxmlformats.org/presentationml/2006/main">
   <p:cSld>
     <p:spTree>
@@ -41278,7 +40435,7 @@
 </p:sld>
 </file>
 
-<file path=ppt/slides/slide27.xml><?xml version="1.0" encoding="utf-8"?>
+<file path=ppt/slides/slide26.xml><?xml version="1.0" encoding="utf-8"?>
 <p:sld xmlns:a="http://schemas.openxmlformats.org/drawingml/2006/main" xmlns:r="http://schemas.openxmlformats.org/officeDocument/2006/relationships" xmlns:p="http://schemas.openxmlformats.org/presentationml/2006/main">
   <p:cSld>
     <p:spTree>
@@ -41416,7 +40573,7 @@
 </p:sld>
 </file>
 
-<file path=ppt/slides/slide28.xml><?xml version="1.0" encoding="utf-8"?>
+<file path=ppt/slides/slide27.xml><?xml version="1.0" encoding="utf-8"?>
 <p:sld xmlns:a="http://schemas.openxmlformats.org/drawingml/2006/main" xmlns:r="http://schemas.openxmlformats.org/officeDocument/2006/relationships" xmlns:p="http://schemas.openxmlformats.org/presentationml/2006/main">
   <p:cSld>
     <p:spTree>
@@ -41819,7 +40976,7 @@
 </p:sld>
 </file>
 
-<file path=ppt/slides/slide29.xml><?xml version="1.0" encoding="utf-8"?>
+<file path=ppt/slides/slide28.xml><?xml version="1.0" encoding="utf-8"?>
 <p:sld xmlns:a="http://schemas.openxmlformats.org/drawingml/2006/main" xmlns:r="http://schemas.openxmlformats.org/officeDocument/2006/relationships" xmlns:p="http://schemas.openxmlformats.org/presentationml/2006/main">
   <p:cSld>
     <p:spTree>
@@ -42188,109 +41345,7 @@
 </p:sld>
 </file>
 
-<file path=ppt/slides/slide3.xml><?xml version="1.0" encoding="utf-8"?>
-<p:sld xmlns:a="http://schemas.openxmlformats.org/drawingml/2006/main" xmlns:r="http://schemas.openxmlformats.org/officeDocument/2006/relationships" xmlns:p="http://schemas.openxmlformats.org/presentationml/2006/main" show="0">
-  <p:cSld>
-    <p:spTree>
-      <p:nvGrpSpPr>
-        <p:cNvPr id="1" name=""/>
-        <p:cNvGrpSpPr/>
-        <p:nvPr/>
-      </p:nvGrpSpPr>
-      <p:grpSpPr>
-        <a:xfrm>
-          <a:off x="0" y="0"/>
-          <a:ext cx="0" cy="0"/>
-          <a:chOff x="0" y="0"/>
-          <a:chExt cx="0" cy="0"/>
-        </a:xfrm>
-      </p:grpSpPr>
-      <p:sp>
-        <p:nvSpPr>
-          <p:cNvPr id="4" name="Footer Placeholder 3">
-            <a:extLst>
-              <a:ext uri="{FF2B5EF4-FFF2-40B4-BE49-F238E27FC236}">
-                <a16:creationId xmlns:a16="http://schemas.microsoft.com/office/drawing/2014/main" id="{CD479BEB-2739-4F61-9EB8-E65273DB93BF}"/>
-              </a:ext>
-            </a:extLst>
-          </p:cNvPr>
-          <p:cNvSpPr>
-            <a:spLocks noGrp="1"/>
-          </p:cNvSpPr>
-          <p:nvPr>
-            <p:ph type="ftr" sz="quarter" idx="11"/>
-          </p:nvPr>
-        </p:nvSpPr>
-        <p:spPr/>
-        <p:txBody>
-          <a:bodyPr/>
-          <a:lstStyle/>
-          <a:p>
-            <a:r>
-              <a:rPr lang="en-US"/>
-              <a:t>Twitter: @mwarger - Walkthrough: http://bit.ly/graphqlappsyncarticle</a:t>
-            </a:r>
-          </a:p>
-        </p:txBody>
-      </p:sp>
-      <p:sp>
-        <p:nvSpPr>
-          <p:cNvPr id="5" name="TextBox 4">
-            <a:extLst>
-              <a:ext uri="{FF2B5EF4-FFF2-40B4-BE49-F238E27FC236}">
-                <a16:creationId xmlns:a16="http://schemas.microsoft.com/office/drawing/2014/main" id="{58CFFBC5-9C71-4C94-9FA5-8DE6497FBDFF}"/>
-              </a:ext>
-            </a:extLst>
-          </p:cNvPr>
-          <p:cNvSpPr txBox="1"/>
-          <p:nvPr/>
-        </p:nvSpPr>
-        <p:spPr>
-          <a:xfrm>
-            <a:off x="4962077" y="3244334"/>
-            <a:ext cx="2267845" cy="369332"/>
-          </a:xfrm>
-          <a:prstGeom prst="rect">
-            <a:avLst/>
-          </a:prstGeom>
-          <a:noFill/>
-        </p:spPr>
-        <p:txBody>
-          <a:bodyPr wrap="square" rtlCol="0">
-            <a:spAutoFit/>
-          </a:bodyPr>
-          <a:lstStyle/>
-          <a:p>
-            <a:pPr algn="ctr"/>
-            <a:r>
-              <a:rPr lang="en-US" dirty="0"/>
-              <a:t>Sponsors </a:t>
-            </a:r>
-            <a:r>
-              <a:rPr lang="en-US" dirty="0" err="1"/>
-              <a:t>amirite</a:t>
-            </a:r>
-            <a:r>
-              <a:rPr lang="en-US" dirty="0"/>
-              <a:t>?</a:t>
-            </a:r>
-          </a:p>
-        </p:txBody>
-      </p:sp>
-    </p:spTree>
-    <p:extLst>
-      <p:ext uri="{BB962C8B-B14F-4D97-AF65-F5344CB8AC3E}">
-        <p14:creationId xmlns:p14="http://schemas.microsoft.com/office/powerpoint/2010/main" val="1632715447"/>
-      </p:ext>
-    </p:extLst>
-  </p:cSld>
-  <p:clrMapOvr>
-    <a:masterClrMapping/>
-  </p:clrMapOvr>
-</p:sld>
-</file>
-
-<file path=ppt/slides/slide30.xml><?xml version="1.0" encoding="utf-8"?>
+<file path=ppt/slides/slide29.xml><?xml version="1.0" encoding="utf-8"?>
 <p:sld xmlns:a="http://schemas.openxmlformats.org/drawingml/2006/main" xmlns:r="http://schemas.openxmlformats.org/officeDocument/2006/relationships" xmlns:p="http://schemas.openxmlformats.org/presentationml/2006/main">
   <p:cSld>
     <p:spTree>
@@ -42405,7 +41460,357 @@
 </p:sld>
 </file>
 
-<file path=ppt/slides/slide31.xml><?xml version="1.0" encoding="utf-8"?>
+<file path=ppt/slides/slide3.xml><?xml version="1.0" encoding="utf-8"?>
+<p:sld xmlns:a="http://schemas.openxmlformats.org/drawingml/2006/main" xmlns:r="http://schemas.openxmlformats.org/officeDocument/2006/relationships" xmlns:p="http://schemas.openxmlformats.org/presentationml/2006/main">
+  <p:cSld>
+    <p:bg>
+      <p:bgPr>
+        <a:solidFill>
+          <a:schemeClr val="bg1"/>
+        </a:solidFill>
+        <a:effectLst/>
+      </p:bgPr>
+    </p:bg>
+    <p:spTree>
+      <p:nvGrpSpPr>
+        <p:cNvPr id="1" name=""/>
+        <p:cNvGrpSpPr/>
+        <p:nvPr/>
+      </p:nvGrpSpPr>
+      <p:grpSpPr>
+        <a:xfrm>
+          <a:off x="0" y="0"/>
+          <a:ext cx="0" cy="0"/>
+          <a:chOff x="0" y="0"/>
+          <a:chExt cx="0" cy="0"/>
+        </a:xfrm>
+      </p:grpSpPr>
+      <p:sp>
+        <p:nvSpPr>
+          <p:cNvPr id="11" name="Rectangle 10">
+            <a:extLst>
+              <a:ext uri="{FF2B5EF4-FFF2-40B4-BE49-F238E27FC236}">
+                <a16:creationId xmlns:a16="http://schemas.microsoft.com/office/drawing/2014/main" id="{787E4CF4-B464-4A12-B2C4-F5F5DFF5C731}"/>
+              </a:ext>
+              <a:ext uri="{C183D7F6-B498-43B3-948B-1728B52AA6E4}">
+                <adec:decorative xmlns:adec="http://schemas.microsoft.com/office/drawing/2017/decorative" val="1"/>
+              </a:ext>
+            </a:extLst>
+          </p:cNvPr>
+          <p:cNvSpPr>
+            <a:spLocks noGrp="1" noRot="1" noChangeAspect="1" noMove="1" noResize="1" noEditPoints="1" noAdjustHandles="1" noChangeArrowheads="1" noChangeShapeType="1" noTextEdit="1"/>
+          </p:cNvSpPr>
+          <p:nvPr>
+            <p:extLst>
+              <p:ext uri="{386F3935-93C4-4BCD-93E2-E3B085C9AB24}">
+                <p16:designElem xmlns:p16="http://schemas.microsoft.com/office/powerpoint/2015/main" val="1"/>
+              </p:ext>
+            </p:extLst>
+          </p:nvPr>
+        </p:nvSpPr>
+        <p:spPr>
+          <a:xfrm>
+            <a:off x="0" y="0"/>
+            <a:ext cx="12192000" cy="6858000"/>
+          </a:xfrm>
+          <a:prstGeom prst="rect">
+            <a:avLst/>
+          </a:prstGeom>
+          <a:solidFill>
+            <a:schemeClr val="accent2"/>
+          </a:solidFill>
+          <a:ln>
+            <a:noFill/>
+          </a:ln>
+        </p:spPr>
+        <p:style>
+          <a:lnRef idx="2">
+            <a:schemeClr val="accent1">
+              <a:shade val="50000"/>
+            </a:schemeClr>
+          </a:lnRef>
+          <a:fillRef idx="1">
+            <a:schemeClr val="accent1"/>
+          </a:fillRef>
+          <a:effectRef idx="0">
+            <a:schemeClr val="accent1"/>
+          </a:effectRef>
+          <a:fontRef idx="minor">
+            <a:schemeClr val="lt1"/>
+          </a:fontRef>
+        </p:style>
+        <p:txBody>
+          <a:bodyPr rtlCol="0" anchor="ctr"/>
+          <a:lstStyle/>
+          <a:p>
+            <a:pPr algn="ctr"/>
+            <a:endParaRPr lang="en-US"/>
+          </a:p>
+        </p:txBody>
+      </p:sp>
+      <p:sp>
+        <p:nvSpPr>
+          <p:cNvPr id="2" name="Title 1">
+            <a:extLst>
+              <a:ext uri="{FF2B5EF4-FFF2-40B4-BE49-F238E27FC236}">
+                <a16:creationId xmlns:a16="http://schemas.microsoft.com/office/drawing/2014/main" id="{9A9B0E71-1401-4A15-B130-D363BE0C723A}"/>
+              </a:ext>
+            </a:extLst>
+          </p:cNvPr>
+          <p:cNvSpPr>
+            <a:spLocks noGrp="1"/>
+          </p:cNvSpPr>
+          <p:nvPr>
+            <p:ph type="title"/>
+          </p:nvPr>
+        </p:nvSpPr>
+        <p:spPr>
+          <a:xfrm>
+            <a:off x="715471" y="2681103"/>
+            <a:ext cx="3063240" cy="1495794"/>
+          </a:xfrm>
+          <a:noFill/>
+          <a:ln>
+            <a:solidFill>
+              <a:srgbClr val="FFFFFF"/>
+            </a:solidFill>
+          </a:ln>
+        </p:spPr>
+        <p:txBody>
+          <a:bodyPr>
+            <a:normAutofit/>
+          </a:bodyPr>
+          <a:lstStyle/>
+          <a:p>
+            <a:r>
+              <a:rPr lang="en-US" sz="2600">
+                <a:solidFill>
+                  <a:srgbClr val="FFFFFF"/>
+                </a:solidFill>
+              </a:rPr>
+              <a:t>hello, my name is mat warger</a:t>
+            </a:r>
+          </a:p>
+        </p:txBody>
+      </p:sp>
+      <p:sp>
+        <p:nvSpPr>
+          <p:cNvPr id="13" name="Rectangle 12">
+            <a:extLst>
+              <a:ext uri="{FF2B5EF4-FFF2-40B4-BE49-F238E27FC236}">
+                <a16:creationId xmlns:a16="http://schemas.microsoft.com/office/drawing/2014/main" id="{AEEBCE4F-713D-46E4-AF4A-F7B083C4ED98}"/>
+              </a:ext>
+              <a:ext uri="{C183D7F6-B498-43B3-948B-1728B52AA6E4}">
+                <adec:decorative xmlns:adec="http://schemas.microsoft.com/office/drawing/2017/decorative" val="1"/>
+              </a:ext>
+            </a:extLst>
+          </p:cNvPr>
+          <p:cNvSpPr>
+            <a:spLocks noGrp="1" noRot="1" noChangeAspect="1" noMove="1" noResize="1" noEditPoints="1" noAdjustHandles="1" noChangeArrowheads="1" noChangeShapeType="1" noTextEdit="1"/>
+          </p:cNvSpPr>
+          <p:nvPr>
+            <p:extLst>
+              <p:ext uri="{386F3935-93C4-4BCD-93E2-E3B085C9AB24}">
+                <p16:designElem xmlns:p16="http://schemas.microsoft.com/office/powerpoint/2015/main" val="1"/>
+              </p:ext>
+            </p:extLst>
+          </p:nvPr>
+        </p:nvSpPr>
+        <p:spPr>
+          <a:xfrm>
+            <a:off x="4494182" y="964692"/>
+            <a:ext cx="6885432" cy="4936558"/>
+          </a:xfrm>
+          <a:prstGeom prst="rect">
+            <a:avLst/>
+          </a:prstGeom>
+          <a:noFill/>
+          <a:ln w="31750" cap="sq">
+            <a:solidFill>
+              <a:srgbClr val="FFFFFF"/>
+            </a:solidFill>
+            <a:miter lim="800000"/>
+          </a:ln>
+        </p:spPr>
+        <p:style>
+          <a:lnRef idx="2">
+            <a:schemeClr val="accent1">
+              <a:shade val="50000"/>
+            </a:schemeClr>
+          </a:lnRef>
+          <a:fillRef idx="1">
+            <a:schemeClr val="accent1"/>
+          </a:fillRef>
+          <a:effectRef idx="0">
+            <a:schemeClr val="accent1"/>
+          </a:effectRef>
+          <a:fontRef idx="minor">
+            <a:schemeClr val="lt1"/>
+          </a:fontRef>
+        </p:style>
+        <p:txBody>
+          <a:bodyPr rtlCol="0" anchor="ctr"/>
+          <a:lstStyle/>
+          <a:p>
+            <a:pPr algn="ctr"/>
+            <a:endParaRPr lang="en-US" dirty="0"/>
+          </a:p>
+        </p:txBody>
+      </p:sp>
+      <p:sp useBgFill="1">
+        <p:nvSpPr>
+          <p:cNvPr id="15" name="Rectangle 14">
+            <a:extLst>
+              <a:ext uri="{FF2B5EF4-FFF2-40B4-BE49-F238E27FC236}">
+                <a16:creationId xmlns:a16="http://schemas.microsoft.com/office/drawing/2014/main" id="{7851551C-C7A7-4E19-9C80-67B8A77DEBDD}"/>
+              </a:ext>
+              <a:ext uri="{C183D7F6-B498-43B3-948B-1728B52AA6E4}">
+                <adec:decorative xmlns:adec="http://schemas.microsoft.com/office/drawing/2017/decorative" val="1"/>
+              </a:ext>
+            </a:extLst>
+          </p:cNvPr>
+          <p:cNvSpPr>
+            <a:spLocks noGrp="1" noRot="1" noChangeAspect="1" noMove="1" noResize="1" noEditPoints="1" noAdjustHandles="1" noChangeArrowheads="1" noChangeShapeType="1" noTextEdit="1"/>
+          </p:cNvSpPr>
+          <p:nvPr>
+            <p:extLst>
+              <p:ext uri="{386F3935-93C4-4BCD-93E2-E3B085C9AB24}">
+                <p16:designElem xmlns:p16="http://schemas.microsoft.com/office/powerpoint/2015/main" val="1"/>
+              </p:ext>
+            </p:extLst>
+          </p:nvPr>
+        </p:nvSpPr>
+        <p:spPr>
+          <a:xfrm>
+            <a:off x="4657802" y="1128683"/>
+            <a:ext cx="6558192" cy="4608576"/>
+          </a:xfrm>
+          <a:prstGeom prst="rect">
+            <a:avLst/>
+          </a:prstGeom>
+          <a:ln>
+            <a:noFill/>
+          </a:ln>
+        </p:spPr>
+        <p:style>
+          <a:lnRef idx="2">
+            <a:schemeClr val="accent1">
+              <a:shade val="50000"/>
+            </a:schemeClr>
+          </a:lnRef>
+          <a:fillRef idx="1">
+            <a:schemeClr val="accent1"/>
+          </a:fillRef>
+          <a:effectRef idx="0">
+            <a:schemeClr val="accent1"/>
+          </a:effectRef>
+          <a:fontRef idx="minor">
+            <a:schemeClr val="lt1"/>
+          </a:fontRef>
+        </p:style>
+        <p:txBody>
+          <a:bodyPr rtlCol="0" anchor="ctr"/>
+          <a:lstStyle/>
+          <a:p>
+            <a:pPr algn="ctr"/>
+            <a:endParaRPr lang="en-US"/>
+          </a:p>
+        </p:txBody>
+      </p:sp>
+      <p:sp>
+        <p:nvSpPr>
+          <p:cNvPr id="4" name="Footer Placeholder 3">
+            <a:extLst>
+              <a:ext uri="{FF2B5EF4-FFF2-40B4-BE49-F238E27FC236}">
+                <a16:creationId xmlns:a16="http://schemas.microsoft.com/office/drawing/2014/main" id="{F1E8517E-AA96-40A8-9328-3A929D2341B9}"/>
+              </a:ext>
+            </a:extLst>
+          </p:cNvPr>
+          <p:cNvSpPr>
+            <a:spLocks noGrp="1"/>
+          </p:cNvSpPr>
+          <p:nvPr>
+            <p:ph type="ftr" sz="quarter" idx="11"/>
+          </p:nvPr>
+        </p:nvSpPr>
+        <p:spPr>
+          <a:xfrm>
+            <a:off x="1600200" y="6236208"/>
+            <a:ext cx="5901189" cy="320040"/>
+          </a:xfrm>
+        </p:spPr>
+        <p:txBody>
+          <a:bodyPr>
+            <a:normAutofit/>
+          </a:bodyPr>
+          <a:lstStyle/>
+          <a:p>
+            <a:pPr>
+              <a:lnSpc>
+                <a:spcPct val="90000"/>
+              </a:lnSpc>
+              <a:spcAft>
+                <a:spcPts val="600"/>
+              </a:spcAft>
+            </a:pPr>
+            <a:r>
+              <a:rPr lang="en-US">
+                <a:solidFill>
+                  <a:srgbClr val="FFFFFF">
+                    <a:alpha val="70000"/>
+                  </a:srgbClr>
+                </a:solidFill>
+              </a:rPr>
+              <a:t>Twitter: @mwarger - Walkthrough: http://bit.ly/graphqlappsyncarticle</a:t>
+            </a:r>
+          </a:p>
+        </p:txBody>
+      </p:sp>
+      <p:graphicFrame>
+        <p:nvGraphicFramePr>
+          <p:cNvPr id="6" name="Content Placeholder 2">
+            <a:extLst>
+              <a:ext uri="{FF2B5EF4-FFF2-40B4-BE49-F238E27FC236}">
+                <a16:creationId xmlns:a16="http://schemas.microsoft.com/office/drawing/2014/main" id="{86B97AF8-7579-441E-95FD-E739DF75D39F}"/>
+              </a:ext>
+            </a:extLst>
+          </p:cNvPr>
+          <p:cNvGraphicFramePr>
+            <a:graphicFrameLocks noGrp="1"/>
+          </p:cNvGraphicFramePr>
+          <p:nvPr>
+            <p:ph idx="1"/>
+            <p:extLst>
+              <p:ext uri="{D42A27DB-BD31-4B8C-83A1-F6EECF244321}">
+                <p14:modId xmlns:p14="http://schemas.microsoft.com/office/powerpoint/2010/main" val="4147236048"/>
+              </p:ext>
+            </p:extLst>
+          </p:nvPr>
+        </p:nvGraphicFramePr>
+        <p:xfrm>
+          <a:off x="5006975" y="1447800"/>
+          <a:ext cx="5888038" cy="3965575"/>
+        </p:xfrm>
+        <a:graphic>
+          <a:graphicData uri="http://schemas.openxmlformats.org/drawingml/2006/diagram">
+            <dgm:relIds xmlns:dgm="http://schemas.openxmlformats.org/drawingml/2006/diagram" xmlns:r="http://schemas.openxmlformats.org/officeDocument/2006/relationships" r:dm="rId2" r:lo="rId3" r:qs="rId4" r:cs="rId5"/>
+          </a:graphicData>
+        </a:graphic>
+      </p:graphicFrame>
+    </p:spTree>
+    <p:extLst>
+      <p:ext uri="{BB962C8B-B14F-4D97-AF65-F5344CB8AC3E}">
+        <p14:creationId xmlns:p14="http://schemas.microsoft.com/office/powerpoint/2010/main" val="556064013"/>
+      </p:ext>
+    </p:extLst>
+  </p:cSld>
+  <p:clrMapOvr>
+    <a:masterClrMapping/>
+  </p:clrMapOvr>
+</p:sld>
+</file>
+
+<file path=ppt/slides/slide30.xml><?xml version="1.0" encoding="utf-8"?>
 <p:sld xmlns:a="http://schemas.openxmlformats.org/drawingml/2006/main" xmlns:r="http://schemas.openxmlformats.org/officeDocument/2006/relationships" xmlns:p="http://schemas.openxmlformats.org/presentationml/2006/main">
   <p:cSld>
     <p:spTree>
@@ -42850,7 +42255,7 @@
 </p:sld>
 </file>
 
-<file path=ppt/slides/slide32.xml><?xml version="1.0" encoding="utf-8"?>
+<file path=ppt/slides/slide31.xml><?xml version="1.0" encoding="utf-8"?>
 <p:sld xmlns:a="http://schemas.openxmlformats.org/drawingml/2006/main" xmlns:r="http://schemas.openxmlformats.org/officeDocument/2006/relationships" xmlns:p="http://schemas.openxmlformats.org/presentationml/2006/main">
   <p:cSld>
     <p:spTree>
@@ -43000,356 +42405,6 @@
 </file>
 
 <file path=ppt/slides/slide4.xml><?xml version="1.0" encoding="utf-8"?>
-<p:sld xmlns:a="http://schemas.openxmlformats.org/drawingml/2006/main" xmlns:r="http://schemas.openxmlformats.org/officeDocument/2006/relationships" xmlns:p="http://schemas.openxmlformats.org/presentationml/2006/main">
-  <p:cSld>
-    <p:bg>
-      <p:bgPr>
-        <a:solidFill>
-          <a:schemeClr val="bg1"/>
-        </a:solidFill>
-        <a:effectLst/>
-      </p:bgPr>
-    </p:bg>
-    <p:spTree>
-      <p:nvGrpSpPr>
-        <p:cNvPr id="1" name=""/>
-        <p:cNvGrpSpPr/>
-        <p:nvPr/>
-      </p:nvGrpSpPr>
-      <p:grpSpPr>
-        <a:xfrm>
-          <a:off x="0" y="0"/>
-          <a:ext cx="0" cy="0"/>
-          <a:chOff x="0" y="0"/>
-          <a:chExt cx="0" cy="0"/>
-        </a:xfrm>
-      </p:grpSpPr>
-      <p:sp>
-        <p:nvSpPr>
-          <p:cNvPr id="11" name="Rectangle 10">
-            <a:extLst>
-              <a:ext uri="{FF2B5EF4-FFF2-40B4-BE49-F238E27FC236}">
-                <a16:creationId xmlns:a16="http://schemas.microsoft.com/office/drawing/2014/main" id="{787E4CF4-B464-4A12-B2C4-F5F5DFF5C731}"/>
-              </a:ext>
-              <a:ext uri="{C183D7F6-B498-43B3-948B-1728B52AA6E4}">
-                <adec:decorative xmlns:adec="http://schemas.microsoft.com/office/drawing/2017/decorative" val="1"/>
-              </a:ext>
-            </a:extLst>
-          </p:cNvPr>
-          <p:cNvSpPr>
-            <a:spLocks noGrp="1" noRot="1" noChangeAspect="1" noMove="1" noResize="1" noEditPoints="1" noAdjustHandles="1" noChangeArrowheads="1" noChangeShapeType="1" noTextEdit="1"/>
-          </p:cNvSpPr>
-          <p:nvPr>
-            <p:extLst>
-              <p:ext uri="{386F3935-93C4-4BCD-93E2-E3B085C9AB24}">
-                <p16:designElem xmlns:p16="http://schemas.microsoft.com/office/powerpoint/2015/main" val="1"/>
-              </p:ext>
-            </p:extLst>
-          </p:nvPr>
-        </p:nvSpPr>
-        <p:spPr>
-          <a:xfrm>
-            <a:off x="0" y="0"/>
-            <a:ext cx="12192000" cy="6858000"/>
-          </a:xfrm>
-          <a:prstGeom prst="rect">
-            <a:avLst/>
-          </a:prstGeom>
-          <a:solidFill>
-            <a:schemeClr val="accent2"/>
-          </a:solidFill>
-          <a:ln>
-            <a:noFill/>
-          </a:ln>
-        </p:spPr>
-        <p:style>
-          <a:lnRef idx="2">
-            <a:schemeClr val="accent1">
-              <a:shade val="50000"/>
-            </a:schemeClr>
-          </a:lnRef>
-          <a:fillRef idx="1">
-            <a:schemeClr val="accent1"/>
-          </a:fillRef>
-          <a:effectRef idx="0">
-            <a:schemeClr val="accent1"/>
-          </a:effectRef>
-          <a:fontRef idx="minor">
-            <a:schemeClr val="lt1"/>
-          </a:fontRef>
-        </p:style>
-        <p:txBody>
-          <a:bodyPr rtlCol="0" anchor="ctr"/>
-          <a:lstStyle/>
-          <a:p>
-            <a:pPr algn="ctr"/>
-            <a:endParaRPr lang="en-US"/>
-          </a:p>
-        </p:txBody>
-      </p:sp>
-      <p:sp>
-        <p:nvSpPr>
-          <p:cNvPr id="2" name="Title 1">
-            <a:extLst>
-              <a:ext uri="{FF2B5EF4-FFF2-40B4-BE49-F238E27FC236}">
-                <a16:creationId xmlns:a16="http://schemas.microsoft.com/office/drawing/2014/main" id="{9A9B0E71-1401-4A15-B130-D363BE0C723A}"/>
-              </a:ext>
-            </a:extLst>
-          </p:cNvPr>
-          <p:cNvSpPr>
-            <a:spLocks noGrp="1"/>
-          </p:cNvSpPr>
-          <p:nvPr>
-            <p:ph type="title"/>
-          </p:nvPr>
-        </p:nvSpPr>
-        <p:spPr>
-          <a:xfrm>
-            <a:off x="715471" y="2681103"/>
-            <a:ext cx="3063240" cy="1495794"/>
-          </a:xfrm>
-          <a:noFill/>
-          <a:ln>
-            <a:solidFill>
-              <a:srgbClr val="FFFFFF"/>
-            </a:solidFill>
-          </a:ln>
-        </p:spPr>
-        <p:txBody>
-          <a:bodyPr>
-            <a:normAutofit/>
-          </a:bodyPr>
-          <a:lstStyle/>
-          <a:p>
-            <a:r>
-              <a:rPr lang="en-US" sz="2600">
-                <a:solidFill>
-                  <a:srgbClr val="FFFFFF"/>
-                </a:solidFill>
-              </a:rPr>
-              <a:t>hello, my name is mat warger</a:t>
-            </a:r>
-          </a:p>
-        </p:txBody>
-      </p:sp>
-      <p:sp>
-        <p:nvSpPr>
-          <p:cNvPr id="13" name="Rectangle 12">
-            <a:extLst>
-              <a:ext uri="{FF2B5EF4-FFF2-40B4-BE49-F238E27FC236}">
-                <a16:creationId xmlns:a16="http://schemas.microsoft.com/office/drawing/2014/main" id="{AEEBCE4F-713D-46E4-AF4A-F7B083C4ED98}"/>
-              </a:ext>
-              <a:ext uri="{C183D7F6-B498-43B3-948B-1728B52AA6E4}">
-                <adec:decorative xmlns:adec="http://schemas.microsoft.com/office/drawing/2017/decorative" val="1"/>
-              </a:ext>
-            </a:extLst>
-          </p:cNvPr>
-          <p:cNvSpPr>
-            <a:spLocks noGrp="1" noRot="1" noChangeAspect="1" noMove="1" noResize="1" noEditPoints="1" noAdjustHandles="1" noChangeArrowheads="1" noChangeShapeType="1" noTextEdit="1"/>
-          </p:cNvSpPr>
-          <p:nvPr>
-            <p:extLst>
-              <p:ext uri="{386F3935-93C4-4BCD-93E2-E3B085C9AB24}">
-                <p16:designElem xmlns:p16="http://schemas.microsoft.com/office/powerpoint/2015/main" val="1"/>
-              </p:ext>
-            </p:extLst>
-          </p:nvPr>
-        </p:nvSpPr>
-        <p:spPr>
-          <a:xfrm>
-            <a:off x="4494182" y="964692"/>
-            <a:ext cx="6885432" cy="4936558"/>
-          </a:xfrm>
-          <a:prstGeom prst="rect">
-            <a:avLst/>
-          </a:prstGeom>
-          <a:noFill/>
-          <a:ln w="31750" cap="sq">
-            <a:solidFill>
-              <a:srgbClr val="FFFFFF"/>
-            </a:solidFill>
-            <a:miter lim="800000"/>
-          </a:ln>
-        </p:spPr>
-        <p:style>
-          <a:lnRef idx="2">
-            <a:schemeClr val="accent1">
-              <a:shade val="50000"/>
-            </a:schemeClr>
-          </a:lnRef>
-          <a:fillRef idx="1">
-            <a:schemeClr val="accent1"/>
-          </a:fillRef>
-          <a:effectRef idx="0">
-            <a:schemeClr val="accent1"/>
-          </a:effectRef>
-          <a:fontRef idx="minor">
-            <a:schemeClr val="lt1"/>
-          </a:fontRef>
-        </p:style>
-        <p:txBody>
-          <a:bodyPr rtlCol="0" anchor="ctr"/>
-          <a:lstStyle/>
-          <a:p>
-            <a:pPr algn="ctr"/>
-            <a:endParaRPr lang="en-US" dirty="0"/>
-          </a:p>
-        </p:txBody>
-      </p:sp>
-      <p:sp useBgFill="1">
-        <p:nvSpPr>
-          <p:cNvPr id="15" name="Rectangle 14">
-            <a:extLst>
-              <a:ext uri="{FF2B5EF4-FFF2-40B4-BE49-F238E27FC236}">
-                <a16:creationId xmlns:a16="http://schemas.microsoft.com/office/drawing/2014/main" id="{7851551C-C7A7-4E19-9C80-67B8A77DEBDD}"/>
-              </a:ext>
-              <a:ext uri="{C183D7F6-B498-43B3-948B-1728B52AA6E4}">
-                <adec:decorative xmlns:adec="http://schemas.microsoft.com/office/drawing/2017/decorative" val="1"/>
-              </a:ext>
-            </a:extLst>
-          </p:cNvPr>
-          <p:cNvSpPr>
-            <a:spLocks noGrp="1" noRot="1" noChangeAspect="1" noMove="1" noResize="1" noEditPoints="1" noAdjustHandles="1" noChangeArrowheads="1" noChangeShapeType="1" noTextEdit="1"/>
-          </p:cNvSpPr>
-          <p:nvPr>
-            <p:extLst>
-              <p:ext uri="{386F3935-93C4-4BCD-93E2-E3B085C9AB24}">
-                <p16:designElem xmlns:p16="http://schemas.microsoft.com/office/powerpoint/2015/main" val="1"/>
-              </p:ext>
-            </p:extLst>
-          </p:nvPr>
-        </p:nvSpPr>
-        <p:spPr>
-          <a:xfrm>
-            <a:off x="4657802" y="1128683"/>
-            <a:ext cx="6558192" cy="4608576"/>
-          </a:xfrm>
-          <a:prstGeom prst="rect">
-            <a:avLst/>
-          </a:prstGeom>
-          <a:ln>
-            <a:noFill/>
-          </a:ln>
-        </p:spPr>
-        <p:style>
-          <a:lnRef idx="2">
-            <a:schemeClr val="accent1">
-              <a:shade val="50000"/>
-            </a:schemeClr>
-          </a:lnRef>
-          <a:fillRef idx="1">
-            <a:schemeClr val="accent1"/>
-          </a:fillRef>
-          <a:effectRef idx="0">
-            <a:schemeClr val="accent1"/>
-          </a:effectRef>
-          <a:fontRef idx="minor">
-            <a:schemeClr val="lt1"/>
-          </a:fontRef>
-        </p:style>
-        <p:txBody>
-          <a:bodyPr rtlCol="0" anchor="ctr"/>
-          <a:lstStyle/>
-          <a:p>
-            <a:pPr algn="ctr"/>
-            <a:endParaRPr lang="en-US"/>
-          </a:p>
-        </p:txBody>
-      </p:sp>
-      <p:sp>
-        <p:nvSpPr>
-          <p:cNvPr id="4" name="Footer Placeholder 3">
-            <a:extLst>
-              <a:ext uri="{FF2B5EF4-FFF2-40B4-BE49-F238E27FC236}">
-                <a16:creationId xmlns:a16="http://schemas.microsoft.com/office/drawing/2014/main" id="{F1E8517E-AA96-40A8-9328-3A929D2341B9}"/>
-              </a:ext>
-            </a:extLst>
-          </p:cNvPr>
-          <p:cNvSpPr>
-            <a:spLocks noGrp="1"/>
-          </p:cNvSpPr>
-          <p:nvPr>
-            <p:ph type="ftr" sz="quarter" idx="11"/>
-          </p:nvPr>
-        </p:nvSpPr>
-        <p:spPr>
-          <a:xfrm>
-            <a:off x="1600200" y="6236208"/>
-            <a:ext cx="5901189" cy="320040"/>
-          </a:xfrm>
-        </p:spPr>
-        <p:txBody>
-          <a:bodyPr>
-            <a:normAutofit/>
-          </a:bodyPr>
-          <a:lstStyle/>
-          <a:p>
-            <a:pPr>
-              <a:lnSpc>
-                <a:spcPct val="90000"/>
-              </a:lnSpc>
-              <a:spcAft>
-                <a:spcPts val="600"/>
-              </a:spcAft>
-            </a:pPr>
-            <a:r>
-              <a:rPr lang="en-US">
-                <a:solidFill>
-                  <a:srgbClr val="FFFFFF">
-                    <a:alpha val="70000"/>
-                  </a:srgbClr>
-                </a:solidFill>
-              </a:rPr>
-              <a:t>Twitter: @mwarger - Walkthrough: http://bit.ly/graphqlappsyncarticle</a:t>
-            </a:r>
-          </a:p>
-        </p:txBody>
-      </p:sp>
-      <p:graphicFrame>
-        <p:nvGraphicFramePr>
-          <p:cNvPr id="6" name="Content Placeholder 2">
-            <a:extLst>
-              <a:ext uri="{FF2B5EF4-FFF2-40B4-BE49-F238E27FC236}">
-                <a16:creationId xmlns:a16="http://schemas.microsoft.com/office/drawing/2014/main" id="{86B97AF8-7579-441E-95FD-E739DF75D39F}"/>
-              </a:ext>
-            </a:extLst>
-          </p:cNvPr>
-          <p:cNvGraphicFramePr>
-            <a:graphicFrameLocks noGrp="1"/>
-          </p:cNvGraphicFramePr>
-          <p:nvPr>
-            <p:ph idx="1"/>
-            <p:extLst>
-              <p:ext uri="{D42A27DB-BD31-4B8C-83A1-F6EECF244321}">
-                <p14:modId xmlns:p14="http://schemas.microsoft.com/office/powerpoint/2010/main" val="4147236048"/>
-              </p:ext>
-            </p:extLst>
-          </p:nvPr>
-        </p:nvGraphicFramePr>
-        <p:xfrm>
-          <a:off x="5006975" y="1447800"/>
-          <a:ext cx="5888038" cy="3965575"/>
-        </p:xfrm>
-        <a:graphic>
-          <a:graphicData uri="http://schemas.openxmlformats.org/drawingml/2006/diagram">
-            <dgm:relIds xmlns:dgm="http://schemas.openxmlformats.org/drawingml/2006/diagram" xmlns:r="http://schemas.openxmlformats.org/officeDocument/2006/relationships" r:dm="rId2" r:lo="rId3" r:qs="rId4" r:cs="rId5"/>
-          </a:graphicData>
-        </a:graphic>
-      </p:graphicFrame>
-    </p:spTree>
-    <p:extLst>
-      <p:ext uri="{BB962C8B-B14F-4D97-AF65-F5344CB8AC3E}">
-        <p14:creationId xmlns:p14="http://schemas.microsoft.com/office/powerpoint/2010/main" val="556064013"/>
-      </p:ext>
-    </p:extLst>
-  </p:cSld>
-  <p:clrMapOvr>
-    <a:masterClrMapping/>
-  </p:clrMapOvr>
-</p:sld>
-</file>
-
-<file path=ppt/slides/slide5.xml><?xml version="1.0" encoding="utf-8"?>
 <p:sld xmlns:a="http://schemas.openxmlformats.org/drawingml/2006/main" xmlns:r="http://schemas.openxmlformats.org/officeDocument/2006/relationships" xmlns:p="http://schemas.openxmlformats.org/presentationml/2006/main">
   <p:cSld>
     <p:spTree>
@@ -43716,7 +42771,7 @@
 </p:sld>
 </file>
 
-<file path=ppt/slides/slide6.xml><?xml version="1.0" encoding="utf-8"?>
+<file path=ppt/slides/slide5.xml><?xml version="1.0" encoding="utf-8"?>
 <p:sld xmlns:a="http://schemas.openxmlformats.org/drawingml/2006/main" xmlns:r="http://schemas.openxmlformats.org/officeDocument/2006/relationships" xmlns:p="http://schemas.openxmlformats.org/presentationml/2006/main">
   <p:cSld>
     <p:spTree>
@@ -43828,7 +42883,7 @@
 </p:sld>
 </file>
 
-<file path=ppt/slides/slide7.xml><?xml version="1.0" encoding="utf-8"?>
+<file path=ppt/slides/slide6.xml><?xml version="1.0" encoding="utf-8"?>
 <p:sld xmlns:a="http://schemas.openxmlformats.org/drawingml/2006/main" xmlns:r="http://schemas.openxmlformats.org/officeDocument/2006/relationships" xmlns:p="http://schemas.openxmlformats.org/presentationml/2006/main">
   <p:cSld>
     <p:bg>
@@ -43963,7 +43018,7 @@
 </p:sld>
 </file>
 
-<file path=ppt/slides/slide8.xml><?xml version="1.0" encoding="utf-8"?>
+<file path=ppt/slides/slide7.xml><?xml version="1.0" encoding="utf-8"?>
 <p:sld xmlns:a="http://schemas.openxmlformats.org/drawingml/2006/main" xmlns:r="http://schemas.openxmlformats.org/officeDocument/2006/relationships" xmlns:p="http://schemas.openxmlformats.org/presentationml/2006/main">
   <p:cSld>
     <p:bg>
@@ -44251,7 +43306,7 @@
 </p:sld>
 </file>
 
-<file path=ppt/slides/slide9.xml><?xml version="1.0" encoding="utf-8"?>
+<file path=ppt/slides/slide8.xml><?xml version="1.0" encoding="utf-8"?>
 <p:sld xmlns:a="http://schemas.openxmlformats.org/drawingml/2006/main" xmlns:r="http://schemas.openxmlformats.org/officeDocument/2006/relationships" xmlns:p="http://schemas.openxmlformats.org/presentationml/2006/main">
   <p:cSld>
     <p:bg>
@@ -44530,6 +43585,199 @@
     <p:extLst>
       <p:ext uri="{BB962C8B-B14F-4D97-AF65-F5344CB8AC3E}">
         <p14:creationId xmlns:p14="http://schemas.microsoft.com/office/powerpoint/2010/main" val="4004911629"/>
+      </p:ext>
+    </p:extLst>
+  </p:cSld>
+  <p:clrMapOvr>
+    <a:masterClrMapping/>
+  </p:clrMapOvr>
+</p:sld>
+</file>
+
+<file path=ppt/slides/slide9.xml><?xml version="1.0" encoding="utf-8"?>
+<p:sld xmlns:a="http://schemas.openxmlformats.org/drawingml/2006/main" xmlns:r="http://schemas.openxmlformats.org/officeDocument/2006/relationships" xmlns:p="http://schemas.openxmlformats.org/presentationml/2006/main">
+  <p:cSld>
+    <p:bg>
+      <p:bgPr>
+        <a:solidFill>
+          <a:schemeClr val="bg2"/>
+        </a:solidFill>
+        <a:effectLst/>
+      </p:bgPr>
+    </p:bg>
+    <p:spTree>
+      <p:nvGrpSpPr>
+        <p:cNvPr id="1" name=""/>
+        <p:cNvGrpSpPr/>
+        <p:nvPr/>
+      </p:nvGrpSpPr>
+      <p:grpSpPr>
+        <a:xfrm>
+          <a:off x="0" y="0"/>
+          <a:ext cx="0" cy="0"/>
+          <a:chOff x="0" y="0"/>
+          <a:chExt cx="0" cy="0"/>
+        </a:xfrm>
+      </p:grpSpPr>
+      <p:sp>
+        <p:nvSpPr>
+          <p:cNvPr id="15" name="Rectangle 10">
+            <a:extLst>
+              <a:ext uri="{FF2B5EF4-FFF2-40B4-BE49-F238E27FC236}">
+                <a16:creationId xmlns:a16="http://schemas.microsoft.com/office/drawing/2014/main" id="{760961B7-C858-4B97-B561-DB0E1342F107}"/>
+              </a:ext>
+              <a:ext uri="{C183D7F6-B498-43B3-948B-1728B52AA6E4}">
+                <adec:decorative xmlns:adec="http://schemas.microsoft.com/office/drawing/2017/decorative" val="1"/>
+              </a:ext>
+            </a:extLst>
+          </p:cNvPr>
+          <p:cNvSpPr>
+            <a:spLocks noGrp="1" noRot="1" noChangeAspect="1" noMove="1" noResize="1" noEditPoints="1" noAdjustHandles="1" noChangeArrowheads="1" noChangeShapeType="1" noTextEdit="1"/>
+          </p:cNvSpPr>
+          <p:nvPr>
+            <p:extLst>
+              <p:ext uri="{386F3935-93C4-4BCD-93E2-E3B085C9AB24}">
+                <p16:designElem xmlns:p16="http://schemas.microsoft.com/office/powerpoint/2015/main" val="1"/>
+              </p:ext>
+            </p:extLst>
+          </p:nvPr>
+        </p:nvSpPr>
+        <p:spPr>
+          <a:xfrm>
+            <a:off x="6101406" y="0"/>
+            <a:ext cx="6096000" cy="6858000"/>
+          </a:xfrm>
+          <a:prstGeom prst="rect">
+            <a:avLst/>
+          </a:prstGeom>
+          <a:solidFill>
+            <a:schemeClr val="accent1"/>
+          </a:solidFill>
+          <a:ln>
+            <a:noFill/>
+          </a:ln>
+        </p:spPr>
+        <p:style>
+          <a:lnRef idx="2">
+            <a:schemeClr val="accent1">
+              <a:shade val="50000"/>
+            </a:schemeClr>
+          </a:lnRef>
+          <a:fillRef idx="1">
+            <a:schemeClr val="accent1"/>
+          </a:fillRef>
+          <a:effectRef idx="0">
+            <a:schemeClr val="accent1"/>
+          </a:effectRef>
+          <a:fontRef idx="minor">
+            <a:schemeClr val="lt1"/>
+          </a:fontRef>
+        </p:style>
+        <p:txBody>
+          <a:bodyPr rtlCol="0" anchor="ctr"/>
+          <a:lstStyle/>
+          <a:p>
+            <a:pPr algn="ctr"/>
+            <a:endParaRPr lang="en-US"/>
+          </a:p>
+        </p:txBody>
+      </p:sp>
+      <p:sp>
+        <p:nvSpPr>
+          <p:cNvPr id="4" name="Title 3">
+            <a:extLst>
+              <a:ext uri="{FF2B5EF4-FFF2-40B4-BE49-F238E27FC236}">
+                <a16:creationId xmlns:a16="http://schemas.microsoft.com/office/drawing/2014/main" id="{1709ECF3-5B8D-4673-BB34-1DCD499364D5}"/>
+              </a:ext>
+            </a:extLst>
+          </p:cNvPr>
+          <p:cNvSpPr>
+            <a:spLocks noGrp="1"/>
+          </p:cNvSpPr>
+          <p:nvPr>
+            <p:ph type="title"/>
+          </p:nvPr>
+        </p:nvSpPr>
+        <p:spPr>
+          <a:xfrm>
+            <a:off x="1752600" y="2542605"/>
+            <a:ext cx="8686800" cy="1772793"/>
+          </a:xfrm>
+          <a:solidFill>
+            <a:srgbClr val="FFFFFF"/>
+          </a:solidFill>
+          <a:ln>
+            <a:solidFill>
+              <a:srgbClr val="404040"/>
+            </a:solidFill>
+          </a:ln>
+        </p:spPr>
+        <p:txBody>
+          <a:bodyPr vert="horz" wrap="square" lIns="182880" tIns="182880" rIns="182880" bIns="182880" rtlCol="0" anchor="ctr">
+            <a:normAutofit/>
+          </a:bodyPr>
+          <a:lstStyle/>
+          <a:p>
+            <a:r>
+              <a:rPr lang="en-US" sz="3400" dirty="0"/>
+              <a:t>fetching lists with rest is verbose and/or tedious and/or mysterious</a:t>
+            </a:r>
+          </a:p>
+        </p:txBody>
+      </p:sp>
+      <p:sp>
+        <p:nvSpPr>
+          <p:cNvPr id="6" name="Footer Placeholder 5">
+            <a:extLst>
+              <a:ext uri="{FF2B5EF4-FFF2-40B4-BE49-F238E27FC236}">
+                <a16:creationId xmlns:a16="http://schemas.microsoft.com/office/drawing/2014/main" id="{25C3FF36-D1CB-4211-B5B6-BCE3441E14DA}"/>
+              </a:ext>
+            </a:extLst>
+          </p:cNvPr>
+          <p:cNvSpPr>
+            <a:spLocks noGrp="1"/>
+          </p:cNvSpPr>
+          <p:nvPr>
+            <p:ph type="ftr" sz="quarter" idx="11"/>
+          </p:nvPr>
+        </p:nvSpPr>
+        <p:spPr>
+          <a:xfrm>
+            <a:off x="1600200" y="6236208"/>
+            <a:ext cx="5901189" cy="320040"/>
+          </a:xfrm>
+        </p:spPr>
+        <p:txBody>
+          <a:bodyPr vert="horz" lIns="91440" tIns="45720" rIns="91440" bIns="45720" rtlCol="0" anchor="ctr">
+            <a:normAutofit/>
+          </a:bodyPr>
+          <a:lstStyle/>
+          <a:p>
+            <a:pPr>
+              <a:spcAft>
+                <a:spcPts val="600"/>
+              </a:spcAft>
+            </a:pPr>
+            <a:r>
+              <a:rPr lang="en-US" sz="1050" kern="1200">
+                <a:solidFill>
+                  <a:schemeClr val="tx1">
+                    <a:alpha val="70000"/>
+                  </a:schemeClr>
+                </a:solidFill>
+                <a:latin typeface="+mn-lt"/>
+                <a:ea typeface="+mn-ea"/>
+                <a:cs typeface="+mn-cs"/>
+              </a:rPr>
+              <a:t>Twitter: @mwarger - Walkthrough: http://bit.ly/graphqlappsyncarticle</a:t>
+            </a:r>
+          </a:p>
+        </p:txBody>
+      </p:sp>
+    </p:spTree>
+    <p:extLst>
+      <p:ext uri="{BB962C8B-B14F-4D97-AF65-F5344CB8AC3E}">
+        <p14:creationId xmlns:p14="http://schemas.microsoft.com/office/powerpoint/2010/main" val="1598587981"/>
       </p:ext>
     </p:extLst>
   </p:cSld>
